--- a/ppt/07-SpringJPASQL.pptx
+++ b/ppt/07-SpringJPASQL.pptx
@@ -554,7 +554,7 @@
         <p:nvSpPr>
           <p:cNvPr id="2052" name="Rectangle 4"/>
           <p:cNvSpPr>
-            <a:spLocks noChangeArrowheads="1" noTextEdit="1"/>
+            <a:spLocks noGrp="1" noRot="1" noChangeAspect="1" noChangeArrowheads="1" noTextEdit="1"/>
           </p:cNvSpPr>
           <p:nvPr>
             <p:ph type="sldImg" idx="2"/>
@@ -917,7 +917,7 @@
         <p:nvSpPr>
           <p:cNvPr id="6146" name="Rectangle 2"/>
           <p:cNvSpPr>
-            <a:spLocks noChangeArrowheads="1" noTextEdit="1"/>
+            <a:spLocks noGrp="1" noRot="1" noChangeAspect="1" noChangeArrowheads="1" noTextEdit="1"/>
           </p:cNvSpPr>
           <p:nvPr>
             <p:ph type="sldImg"/>
@@ -1019,7 +1019,7 @@
         <p:nvSpPr>
           <p:cNvPr id="8194" name="Rectangle 2"/>
           <p:cNvSpPr>
-            <a:spLocks noChangeArrowheads="1" noTextEdit="1"/>
+            <a:spLocks noGrp="1" noRot="1" noChangeAspect="1" noChangeArrowheads="1" noTextEdit="1"/>
           </p:cNvSpPr>
           <p:nvPr>
             <p:ph type="sldImg"/>
@@ -1121,7 +1121,7 @@
         <p:nvSpPr>
           <p:cNvPr id="10242" name="Rectangle 2"/>
           <p:cNvSpPr>
-            <a:spLocks noChangeArrowheads="1" noTextEdit="1"/>
+            <a:spLocks noGrp="1" noRot="1" noChangeAspect="1" noChangeArrowheads="1" noTextEdit="1"/>
           </p:cNvSpPr>
           <p:nvPr>
             <p:ph type="sldImg"/>
@@ -1223,7 +1223,7 @@
         <p:nvSpPr>
           <p:cNvPr id="12290" name="Rectangle 2"/>
           <p:cNvSpPr>
-            <a:spLocks noChangeArrowheads="1" noTextEdit="1"/>
+            <a:spLocks noGrp="1" noRot="1" noChangeAspect="1" noChangeArrowheads="1" noTextEdit="1"/>
           </p:cNvSpPr>
           <p:nvPr>
             <p:ph type="sldImg"/>
@@ -1325,7 +1325,7 @@
         <p:nvSpPr>
           <p:cNvPr id="14338" name="Rectangle 2"/>
           <p:cNvSpPr>
-            <a:spLocks noChangeArrowheads="1" noTextEdit="1"/>
+            <a:spLocks noGrp="1" noRot="1" noChangeAspect="1" noChangeArrowheads="1" noTextEdit="1"/>
           </p:cNvSpPr>
           <p:nvPr>
             <p:ph type="sldImg"/>
@@ -4200,6 +4200,47 @@
           </a:p>
         </p:txBody>
       </p:sp>
+      <p:pic>
+        <p:nvPicPr>
+          <p:cNvPr id="4" name="Picture 2" descr="https://miro.medium.com/max/3798/1*gycg7f5bYLuR4ut_JAEs7A.png"/>
+          <p:cNvPicPr>
+            <a:picLocks noChangeAspect="1" noChangeArrowheads="1"/>
+          </p:cNvPicPr>
+          <p:nvPr/>
+        </p:nvPicPr>
+        <p:blipFill>
+          <a:blip r:embed="rId2" cstate="print">
+            <a:extLst>
+              <a:ext uri="{28A0092B-C50C-407E-A947-70E740481C1C}">
+                <a14:useLocalDpi xmlns:a14="http://schemas.microsoft.com/office/drawing/2010/main" val="0"/>
+              </a:ext>
+            </a:extLst>
+          </a:blip>
+          <a:srcRect/>
+          <a:stretch>
+            <a:fillRect/>
+          </a:stretch>
+        </p:blipFill>
+        <p:spPr bwMode="auto">
+          <a:xfrm>
+            <a:off x="2195736" y="1762125"/>
+            <a:ext cx="4612173" cy="1981200"/>
+          </a:xfrm>
+          <a:prstGeom prst="rect">
+            <a:avLst/>
+          </a:prstGeom>
+          <a:noFill/>
+          <a:extLst>
+            <a:ext uri="{909E8E84-426E-40DD-AFC4-6F175D3DCCD1}">
+              <a14:hiddenFill xmlns:a14="http://schemas.microsoft.com/office/drawing/2010/main">
+                <a:solidFill>
+                  <a:srgbClr val="FFFFFF"/>
+                </a:solidFill>
+              </a14:hiddenFill>
+            </a:ext>
+          </a:extLst>
+        </p:spPr>
+      </p:pic>
     </p:spTree>
   </p:cSld>
   <p:clrMapOvr>

--- a/ppt/07-SpringJPASQL.pptx
+++ b/ppt/07-SpringJPASQL.pptx
@@ -5,10 +5,10 @@
     <p:sldMasterId id="2147483653" r:id="rId1"/>
   </p:sldMasterIdLst>
   <p:notesMasterIdLst>
-    <p:notesMasterId r:id="rId31"/>
+    <p:notesMasterId r:id="rId34"/>
   </p:notesMasterIdLst>
   <p:handoutMasterIdLst>
-    <p:handoutMasterId r:id="rId32"/>
+    <p:handoutMasterId r:id="rId35"/>
   </p:handoutMasterIdLst>
   <p:sldIdLst>
     <p:sldId id="264" r:id="rId2"/>
@@ -40,6 +40,9 @@
     <p:sldId id="423" r:id="rId28"/>
     <p:sldId id="425" r:id="rId29"/>
     <p:sldId id="426" r:id="rId30"/>
+    <p:sldId id="430" r:id="rId31"/>
+    <p:sldId id="429" r:id="rId32"/>
+    <p:sldId id="428" r:id="rId33"/>
   </p:sldIdLst>
   <p:sldSz cx="9144000" cy="6858000" type="screen4x3"/>
   <p:notesSz cx="6648450" cy="9782175"/>
@@ -424,6 +427,11 @@
         </p:txBody>
       </p:sp>
     </p:spTree>
+    <p:extLst>
+      <p:ext uri="{BB962C8B-B14F-4D97-AF65-F5344CB8AC3E}">
+        <p14:creationId xmlns:p14="http://schemas.microsoft.com/office/powerpoint/2010/main" val="1"/>
+      </p:ext>
+    </p:extLst>
   </p:cSld>
   <p:clrMap bg1="lt1" tx1="dk1" bg2="lt2" tx2="dk2" accent1="accent1" accent2="accent2" accent3="accent3" accent4="accent4" accent5="accent5" accent6="accent6" hlink="hlink" folHlink="folHlink"/>
 </p:handoutMaster>
@@ -625,35 +633,35 @@
           <a:p>
             <a:pPr lvl="0"/>
             <a:r>
-              <a:rPr lang="fr-FR" noProof="0" smtClean="0"/>
+              <a:rPr lang="fr-FR" noProof="0"/>
               <a:t>Cliquez pour modifier les styles du texte du masque</a:t>
             </a:r>
           </a:p>
           <a:p>
             <a:pPr lvl="1"/>
             <a:r>
-              <a:rPr lang="fr-FR" noProof="0" smtClean="0"/>
+              <a:rPr lang="fr-FR" noProof="0"/>
               <a:t>Deuxième niveau</a:t>
             </a:r>
           </a:p>
           <a:p>
             <a:pPr lvl="2"/>
             <a:r>
-              <a:rPr lang="fr-FR" noProof="0" smtClean="0"/>
+              <a:rPr lang="fr-FR" noProof="0"/>
               <a:t>Troisième niveau</a:t>
             </a:r>
           </a:p>
           <a:p>
             <a:pPr lvl="3"/>
             <a:r>
-              <a:rPr lang="fr-FR" noProof="0" smtClean="0"/>
+              <a:rPr lang="fr-FR" noProof="0"/>
               <a:t>Quatrième niveau</a:t>
             </a:r>
           </a:p>
           <a:p>
             <a:pPr lvl="4"/>
             <a:r>
-              <a:rPr lang="fr-FR" noProof="0" smtClean="0"/>
+              <a:rPr lang="fr-FR" noProof="0"/>
               <a:t>Cinquième niveau</a:t>
             </a:r>
           </a:p>
@@ -974,7 +982,7 @@
           <a:p>
             <a:pPr eaLnBrk="1" hangingPunct="1"/>
             <a:r>
-              <a:rPr lang="en-US" altLang="fr-FR" smtClean="0">
+              <a:rPr lang="en-US" altLang="fr-FR">
                 <a:latin typeface="Arial" panose="020B0604020202020204" pitchFamily="34" charset="0"/>
                 <a:cs typeface="Arial" panose="020B0604020202020204" pitchFamily="34" charset="0"/>
               </a:rPr>
@@ -983,7 +991,7 @@
           </a:p>
           <a:p>
             <a:pPr eaLnBrk="1" hangingPunct="1"/>
-            <a:endParaRPr lang="en-US" altLang="fr-FR" smtClean="0">
+            <a:endParaRPr lang="en-US" altLang="fr-FR">
               <a:latin typeface="Arial" panose="020B0604020202020204" pitchFamily="34" charset="0"/>
               <a:cs typeface="Arial" panose="020B0604020202020204" pitchFamily="34" charset="0"/>
             </a:endParaRPr>
@@ -1076,7 +1084,7 @@
           <a:p>
             <a:pPr eaLnBrk="1" hangingPunct="1"/>
             <a:r>
-              <a:rPr lang="en-US" altLang="fr-FR" smtClean="0">
+              <a:rPr lang="en-US" altLang="fr-FR">
                 <a:latin typeface="Arial" panose="020B0604020202020204" pitchFamily="34" charset="0"/>
                 <a:cs typeface="Arial" panose="020B0604020202020204" pitchFamily="34" charset="0"/>
               </a:rPr>
@@ -1085,7 +1093,7 @@
           </a:p>
           <a:p>
             <a:pPr eaLnBrk="1" hangingPunct="1"/>
-            <a:endParaRPr lang="en-US" altLang="fr-FR" smtClean="0">
+            <a:endParaRPr lang="en-US" altLang="fr-FR">
               <a:latin typeface="Arial" panose="020B0604020202020204" pitchFamily="34" charset="0"/>
               <a:cs typeface="Arial" panose="020B0604020202020204" pitchFamily="34" charset="0"/>
             </a:endParaRPr>
@@ -1178,7 +1186,7 @@
           <a:p>
             <a:pPr eaLnBrk="1" hangingPunct="1"/>
             <a:r>
-              <a:rPr lang="en-US" altLang="fr-FR" smtClean="0">
+              <a:rPr lang="en-US" altLang="fr-FR">
                 <a:latin typeface="Arial" panose="020B0604020202020204" pitchFamily="34" charset="0"/>
                 <a:cs typeface="Arial" panose="020B0604020202020204" pitchFamily="34" charset="0"/>
               </a:rPr>
@@ -1187,7 +1195,7 @@
           </a:p>
           <a:p>
             <a:pPr eaLnBrk="1" hangingPunct="1"/>
-            <a:endParaRPr lang="en-US" altLang="fr-FR" smtClean="0">
+            <a:endParaRPr lang="en-US" altLang="fr-FR">
               <a:latin typeface="Arial" panose="020B0604020202020204" pitchFamily="34" charset="0"/>
               <a:cs typeface="Arial" panose="020B0604020202020204" pitchFamily="34" charset="0"/>
             </a:endParaRPr>
@@ -1280,7 +1288,7 @@
           <a:p>
             <a:pPr eaLnBrk="1" hangingPunct="1"/>
             <a:r>
-              <a:rPr lang="en-US" altLang="fr-FR" smtClean="0">
+              <a:rPr lang="en-US" altLang="fr-FR">
                 <a:latin typeface="Arial" panose="020B0604020202020204" pitchFamily="34" charset="0"/>
                 <a:cs typeface="Arial" panose="020B0604020202020204" pitchFamily="34" charset="0"/>
               </a:rPr>
@@ -1289,7 +1297,7 @@
           </a:p>
           <a:p>
             <a:pPr eaLnBrk="1" hangingPunct="1"/>
-            <a:endParaRPr lang="en-US" altLang="fr-FR" smtClean="0">
+            <a:endParaRPr lang="en-US" altLang="fr-FR">
               <a:latin typeface="Arial" panose="020B0604020202020204" pitchFamily="34" charset="0"/>
               <a:cs typeface="Arial" panose="020B0604020202020204" pitchFamily="34" charset="0"/>
             </a:endParaRPr>
@@ -1382,7 +1390,7 @@
           <a:p>
             <a:pPr eaLnBrk="1" hangingPunct="1"/>
             <a:r>
-              <a:rPr lang="en-US" altLang="fr-FR" smtClean="0">
+              <a:rPr lang="en-US" altLang="fr-FR">
                 <a:latin typeface="Arial" panose="020B0604020202020204" pitchFamily="34" charset="0"/>
                 <a:cs typeface="Arial" panose="020B0604020202020204" pitchFamily="34" charset="0"/>
               </a:rPr>
@@ -1391,7 +1399,7 @@
           </a:p>
           <a:p>
             <a:pPr eaLnBrk="1" hangingPunct="1"/>
-            <a:endParaRPr lang="en-US" altLang="fr-FR" smtClean="0">
+            <a:endParaRPr lang="en-US" altLang="fr-FR">
               <a:latin typeface="Arial" panose="020B0604020202020204" pitchFamily="34" charset="0"/>
               <a:cs typeface="Arial" panose="020B0604020202020204" pitchFamily="34" charset="0"/>
             </a:endParaRPr>
@@ -1444,10 +1452,9 @@
           <a:lstStyle/>
           <a:p>
             <a:r>
-              <a:rPr lang="fr-FR" smtClean="0"/>
+              <a:rPr lang="fr-FR"/>
               <a:t>Cliquez pour modifier le style du titre</a:t>
             </a:r>
-            <a:endParaRPr lang="fr-FR"/>
           </a:p>
         </p:txBody>
       </p:sp>
@@ -1509,10 +1516,9 @@
           </a:lstStyle>
           <a:p>
             <a:r>
-              <a:rPr lang="fr-FR" smtClean="0"/>
+              <a:rPr lang="fr-FR"/>
               <a:t>Cliquez pour modifier le style des sous-titres du masque</a:t>
             </a:r>
-            <a:endParaRPr lang="fr-FR"/>
           </a:p>
         </p:txBody>
       </p:sp>
@@ -1562,10 +1568,9 @@
           <a:lstStyle/>
           <a:p>
             <a:r>
-              <a:rPr lang="fr-FR" smtClean="0"/>
+              <a:rPr lang="fr-FR"/>
               <a:t>Cliquez pour modifier le style du titre</a:t>
             </a:r>
-            <a:endParaRPr lang="fr-FR"/>
           </a:p>
         </p:txBody>
       </p:sp>
@@ -1586,38 +1591,37 @@
           <a:p>
             <a:pPr lvl="0"/>
             <a:r>
-              <a:rPr lang="fr-FR" smtClean="0"/>
+              <a:rPr lang="fr-FR"/>
               <a:t>Cliquez pour modifier les styles du texte du masque</a:t>
             </a:r>
           </a:p>
           <a:p>
             <a:pPr lvl="1"/>
             <a:r>
-              <a:rPr lang="fr-FR" smtClean="0"/>
+              <a:rPr lang="fr-FR"/>
               <a:t>Deuxième niveau</a:t>
             </a:r>
           </a:p>
           <a:p>
             <a:pPr lvl="2"/>
             <a:r>
-              <a:rPr lang="fr-FR" smtClean="0"/>
+              <a:rPr lang="fr-FR"/>
               <a:t>Troisième niveau</a:t>
             </a:r>
           </a:p>
           <a:p>
             <a:pPr lvl="3"/>
             <a:r>
-              <a:rPr lang="fr-FR" smtClean="0"/>
+              <a:rPr lang="fr-FR"/>
               <a:t>Quatrième niveau</a:t>
             </a:r>
           </a:p>
           <a:p>
             <a:pPr lvl="4"/>
             <a:r>
-              <a:rPr lang="fr-FR" smtClean="0"/>
+              <a:rPr lang="fr-FR"/>
               <a:t>Cinquième niveau</a:t>
             </a:r>
-            <a:endParaRPr lang="fr-FR"/>
           </a:p>
         </p:txBody>
       </p:sp>
@@ -1672,10 +1676,9 @@
           <a:lstStyle/>
           <a:p>
             <a:r>
-              <a:rPr lang="fr-FR" smtClean="0"/>
+              <a:rPr lang="fr-FR"/>
               <a:t>Cliquez pour modifier le style du titre</a:t>
             </a:r>
-            <a:endParaRPr lang="fr-FR"/>
           </a:p>
         </p:txBody>
       </p:sp>
@@ -1701,38 +1704,37 @@
           <a:p>
             <a:pPr lvl="0"/>
             <a:r>
-              <a:rPr lang="fr-FR" smtClean="0"/>
+              <a:rPr lang="fr-FR"/>
               <a:t>Cliquez pour modifier les styles du texte du masque</a:t>
             </a:r>
           </a:p>
           <a:p>
             <a:pPr lvl="1"/>
             <a:r>
-              <a:rPr lang="fr-FR" smtClean="0"/>
+              <a:rPr lang="fr-FR"/>
               <a:t>Deuxième niveau</a:t>
             </a:r>
           </a:p>
           <a:p>
             <a:pPr lvl="2"/>
             <a:r>
-              <a:rPr lang="fr-FR" smtClean="0"/>
+              <a:rPr lang="fr-FR"/>
               <a:t>Troisième niveau</a:t>
             </a:r>
           </a:p>
           <a:p>
             <a:pPr lvl="3"/>
             <a:r>
-              <a:rPr lang="fr-FR" smtClean="0"/>
+              <a:rPr lang="fr-FR"/>
               <a:t>Quatrième niveau</a:t>
             </a:r>
           </a:p>
           <a:p>
             <a:pPr lvl="4"/>
             <a:r>
-              <a:rPr lang="fr-FR" smtClean="0"/>
+              <a:rPr lang="fr-FR"/>
               <a:t>Cinquième niveau</a:t>
             </a:r>
-            <a:endParaRPr lang="fr-FR"/>
           </a:p>
         </p:txBody>
       </p:sp>
@@ -1782,10 +1784,9 @@
           <a:lstStyle/>
           <a:p>
             <a:r>
-              <a:rPr lang="fr-FR" smtClean="0"/>
+              <a:rPr lang="fr-FR"/>
               <a:t>Cliquez pour modifier le style du titre</a:t>
             </a:r>
-            <a:endParaRPr lang="fr-FR"/>
           </a:p>
         </p:txBody>
       </p:sp>
@@ -1806,38 +1807,37 @@
           <a:p>
             <a:pPr lvl="0"/>
             <a:r>
-              <a:rPr lang="fr-FR" smtClean="0"/>
+              <a:rPr lang="fr-FR"/>
               <a:t>Cliquez pour modifier les styles du texte du masque</a:t>
             </a:r>
           </a:p>
           <a:p>
             <a:pPr lvl="1"/>
             <a:r>
-              <a:rPr lang="fr-FR" smtClean="0"/>
+              <a:rPr lang="fr-FR"/>
               <a:t>Deuxième niveau</a:t>
             </a:r>
           </a:p>
           <a:p>
             <a:pPr lvl="2"/>
             <a:r>
-              <a:rPr lang="fr-FR" smtClean="0"/>
+              <a:rPr lang="fr-FR"/>
               <a:t>Troisième niveau</a:t>
             </a:r>
           </a:p>
           <a:p>
             <a:pPr lvl="3"/>
             <a:r>
-              <a:rPr lang="fr-FR" smtClean="0"/>
+              <a:rPr lang="fr-FR"/>
               <a:t>Quatrième niveau</a:t>
             </a:r>
           </a:p>
           <a:p>
             <a:pPr lvl="4"/>
             <a:r>
-              <a:rPr lang="fr-FR" smtClean="0"/>
+              <a:rPr lang="fr-FR"/>
               <a:t>Cinquième niveau</a:t>
             </a:r>
-            <a:endParaRPr lang="fr-FR"/>
           </a:p>
         </p:txBody>
       </p:sp>
@@ -1896,10 +1896,9 @@
           </a:lstStyle>
           <a:p>
             <a:r>
-              <a:rPr lang="fr-FR" smtClean="0"/>
+              <a:rPr lang="fr-FR"/>
               <a:t>Cliquez pour modifier le style du titre</a:t>
             </a:r>
-            <a:endParaRPr lang="fr-FR"/>
           </a:p>
         </p:txBody>
       </p:sp>
@@ -1962,7 +1961,7 @@
           <a:p>
             <a:pPr lvl="0"/>
             <a:r>
-              <a:rPr lang="fr-FR" smtClean="0"/>
+              <a:rPr lang="fr-FR"/>
               <a:t>Cliquez pour modifier les styles du texte du masque</a:t>
             </a:r>
           </a:p>
@@ -2014,10 +2013,9 @@
           <a:lstStyle/>
           <a:p>
             <a:r>
-              <a:rPr lang="fr-FR" smtClean="0"/>
+              <a:rPr lang="fr-FR"/>
               <a:t>Cliquez pour modifier le style du titre</a:t>
             </a:r>
-            <a:endParaRPr lang="fr-FR"/>
           </a:p>
         </p:txBody>
       </p:sp>
@@ -2071,38 +2069,37 @@
           <a:p>
             <a:pPr lvl="0"/>
             <a:r>
-              <a:rPr lang="fr-FR" smtClean="0"/>
+              <a:rPr lang="fr-FR"/>
               <a:t>Cliquez pour modifier les styles du texte du masque</a:t>
             </a:r>
           </a:p>
           <a:p>
             <a:pPr lvl="1"/>
             <a:r>
-              <a:rPr lang="fr-FR" smtClean="0"/>
+              <a:rPr lang="fr-FR"/>
               <a:t>Deuxième niveau</a:t>
             </a:r>
           </a:p>
           <a:p>
             <a:pPr lvl="2"/>
             <a:r>
-              <a:rPr lang="fr-FR" smtClean="0"/>
+              <a:rPr lang="fr-FR"/>
               <a:t>Troisième niveau</a:t>
             </a:r>
           </a:p>
           <a:p>
             <a:pPr lvl="3"/>
             <a:r>
-              <a:rPr lang="fr-FR" smtClean="0"/>
+              <a:rPr lang="fr-FR"/>
               <a:t>Quatrième niveau</a:t>
             </a:r>
           </a:p>
           <a:p>
             <a:pPr lvl="4"/>
             <a:r>
-              <a:rPr lang="fr-FR" smtClean="0"/>
+              <a:rPr lang="fr-FR"/>
               <a:t>Cinquième niveau</a:t>
             </a:r>
-            <a:endParaRPr lang="fr-FR"/>
           </a:p>
         </p:txBody>
       </p:sp>
@@ -2156,38 +2153,37 @@
           <a:p>
             <a:pPr lvl="0"/>
             <a:r>
-              <a:rPr lang="fr-FR" smtClean="0"/>
+              <a:rPr lang="fr-FR"/>
               <a:t>Cliquez pour modifier les styles du texte du masque</a:t>
             </a:r>
           </a:p>
           <a:p>
             <a:pPr lvl="1"/>
             <a:r>
-              <a:rPr lang="fr-FR" smtClean="0"/>
+              <a:rPr lang="fr-FR"/>
               <a:t>Deuxième niveau</a:t>
             </a:r>
           </a:p>
           <a:p>
             <a:pPr lvl="2"/>
             <a:r>
-              <a:rPr lang="fr-FR" smtClean="0"/>
+              <a:rPr lang="fr-FR"/>
               <a:t>Troisième niveau</a:t>
             </a:r>
           </a:p>
           <a:p>
             <a:pPr lvl="3"/>
             <a:r>
-              <a:rPr lang="fr-FR" smtClean="0"/>
+              <a:rPr lang="fr-FR"/>
               <a:t>Quatrième niveau</a:t>
             </a:r>
           </a:p>
           <a:p>
             <a:pPr lvl="4"/>
             <a:r>
-              <a:rPr lang="fr-FR" smtClean="0"/>
+              <a:rPr lang="fr-FR"/>
               <a:t>Cinquième niveau</a:t>
             </a:r>
-            <a:endParaRPr lang="fr-FR"/>
           </a:p>
         </p:txBody>
       </p:sp>
@@ -2246,10 +2242,9 @@
           </a:lstStyle>
           <a:p>
             <a:r>
-              <a:rPr lang="fr-FR" smtClean="0"/>
+              <a:rPr lang="fr-FR"/>
               <a:t>Cliquez pour modifier le style du titre</a:t>
             </a:r>
-            <a:endParaRPr lang="fr-FR"/>
           </a:p>
         </p:txBody>
       </p:sp>
@@ -2312,7 +2307,7 @@
           <a:p>
             <a:pPr lvl="0"/>
             <a:r>
-              <a:rPr lang="fr-FR" smtClean="0"/>
+              <a:rPr lang="fr-FR"/>
               <a:t>Cliquez pour modifier les styles du texte du masque</a:t>
             </a:r>
           </a:p>
@@ -2368,38 +2363,37 @@
           <a:p>
             <a:pPr lvl="0"/>
             <a:r>
-              <a:rPr lang="fr-FR" smtClean="0"/>
+              <a:rPr lang="fr-FR"/>
               <a:t>Cliquez pour modifier les styles du texte du masque</a:t>
             </a:r>
           </a:p>
           <a:p>
             <a:pPr lvl="1"/>
             <a:r>
-              <a:rPr lang="fr-FR" smtClean="0"/>
+              <a:rPr lang="fr-FR"/>
               <a:t>Deuxième niveau</a:t>
             </a:r>
           </a:p>
           <a:p>
             <a:pPr lvl="2"/>
             <a:r>
-              <a:rPr lang="fr-FR" smtClean="0"/>
+              <a:rPr lang="fr-FR"/>
               <a:t>Troisième niveau</a:t>
             </a:r>
           </a:p>
           <a:p>
             <a:pPr lvl="3"/>
             <a:r>
-              <a:rPr lang="fr-FR" smtClean="0"/>
+              <a:rPr lang="fr-FR"/>
               <a:t>Quatrième niveau</a:t>
             </a:r>
           </a:p>
           <a:p>
             <a:pPr lvl="4"/>
             <a:r>
-              <a:rPr lang="fr-FR" smtClean="0"/>
+              <a:rPr lang="fr-FR"/>
               <a:t>Cinquième niveau</a:t>
             </a:r>
-            <a:endParaRPr lang="fr-FR"/>
           </a:p>
         </p:txBody>
       </p:sp>
@@ -2462,7 +2456,7 @@
           <a:p>
             <a:pPr lvl="0"/>
             <a:r>
-              <a:rPr lang="fr-FR" smtClean="0"/>
+              <a:rPr lang="fr-FR"/>
               <a:t>Cliquez pour modifier les styles du texte du masque</a:t>
             </a:r>
           </a:p>
@@ -2518,38 +2512,37 @@
           <a:p>
             <a:pPr lvl="0"/>
             <a:r>
-              <a:rPr lang="fr-FR" smtClean="0"/>
+              <a:rPr lang="fr-FR"/>
               <a:t>Cliquez pour modifier les styles du texte du masque</a:t>
             </a:r>
           </a:p>
           <a:p>
             <a:pPr lvl="1"/>
             <a:r>
-              <a:rPr lang="fr-FR" smtClean="0"/>
+              <a:rPr lang="fr-FR"/>
               <a:t>Deuxième niveau</a:t>
             </a:r>
           </a:p>
           <a:p>
             <a:pPr lvl="2"/>
             <a:r>
-              <a:rPr lang="fr-FR" smtClean="0"/>
+              <a:rPr lang="fr-FR"/>
               <a:t>Troisième niveau</a:t>
             </a:r>
           </a:p>
           <a:p>
             <a:pPr lvl="3"/>
             <a:r>
-              <a:rPr lang="fr-FR" smtClean="0"/>
+              <a:rPr lang="fr-FR"/>
               <a:t>Quatrième niveau</a:t>
             </a:r>
           </a:p>
           <a:p>
             <a:pPr lvl="4"/>
             <a:r>
-              <a:rPr lang="fr-FR" smtClean="0"/>
+              <a:rPr lang="fr-FR"/>
               <a:t>Cinquième niveau</a:t>
             </a:r>
-            <a:endParaRPr lang="fr-FR"/>
           </a:p>
         </p:txBody>
       </p:sp>
@@ -2599,10 +2592,9 @@
           <a:lstStyle/>
           <a:p>
             <a:r>
-              <a:rPr lang="fr-FR" smtClean="0"/>
+              <a:rPr lang="fr-FR"/>
               <a:t>Cliquez pour modifier le style du titre</a:t>
             </a:r>
-            <a:endParaRPr lang="fr-FR"/>
           </a:p>
         </p:txBody>
       </p:sp>
@@ -2691,10 +2683,9 @@
           </a:lstStyle>
           <a:p>
             <a:r>
-              <a:rPr lang="fr-FR" smtClean="0"/>
+              <a:rPr lang="fr-FR"/>
               <a:t>Cliquez pour modifier le style du titre</a:t>
             </a:r>
-            <a:endParaRPr lang="fr-FR"/>
           </a:p>
         </p:txBody>
       </p:sp>
@@ -2748,38 +2739,37 @@
           <a:p>
             <a:pPr lvl="0"/>
             <a:r>
-              <a:rPr lang="fr-FR" smtClean="0"/>
+              <a:rPr lang="fr-FR"/>
               <a:t>Cliquez pour modifier les styles du texte du masque</a:t>
             </a:r>
           </a:p>
           <a:p>
             <a:pPr lvl="1"/>
             <a:r>
-              <a:rPr lang="fr-FR" smtClean="0"/>
+              <a:rPr lang="fr-FR"/>
               <a:t>Deuxième niveau</a:t>
             </a:r>
           </a:p>
           <a:p>
             <a:pPr lvl="2"/>
             <a:r>
-              <a:rPr lang="fr-FR" smtClean="0"/>
+              <a:rPr lang="fr-FR"/>
               <a:t>Troisième niveau</a:t>
             </a:r>
           </a:p>
           <a:p>
             <a:pPr lvl="3"/>
             <a:r>
-              <a:rPr lang="fr-FR" smtClean="0"/>
+              <a:rPr lang="fr-FR"/>
               <a:t>Quatrième niveau</a:t>
             </a:r>
           </a:p>
           <a:p>
             <a:pPr lvl="4"/>
             <a:r>
-              <a:rPr lang="fr-FR" smtClean="0"/>
+              <a:rPr lang="fr-FR"/>
               <a:t>Cinquième niveau</a:t>
             </a:r>
-            <a:endParaRPr lang="fr-FR"/>
           </a:p>
         </p:txBody>
       </p:sp>
@@ -2842,7 +2832,7 @@
           <a:p>
             <a:pPr lvl="0"/>
             <a:r>
-              <a:rPr lang="fr-FR" smtClean="0"/>
+              <a:rPr lang="fr-FR"/>
               <a:t>Cliquez pour modifier les styles du texte du masque</a:t>
             </a:r>
           </a:p>
@@ -2903,10 +2893,9 @@
           </a:lstStyle>
           <a:p>
             <a:r>
-              <a:rPr lang="fr-FR" smtClean="0"/>
+              <a:rPr lang="fr-FR"/>
               <a:t>Cliquez pour modifier le style du titre</a:t>
             </a:r>
-            <a:endParaRPr lang="fr-FR"/>
           </a:p>
         </p:txBody>
       </p:sp>
@@ -2968,7 +2957,7 @@
           </a:lstStyle>
           <a:p>
             <a:pPr lvl="0"/>
-            <a:endParaRPr lang="fr-FR" noProof="0" smtClean="0"/>
+            <a:endParaRPr lang="fr-FR" noProof="0"/>
           </a:p>
         </p:txBody>
       </p:sp>
@@ -3031,7 +3020,7 @@
           <a:p>
             <a:pPr lvl="0"/>
             <a:r>
-              <a:rPr lang="fr-FR" smtClean="0"/>
+              <a:rPr lang="fr-FR"/>
               <a:t>Cliquez pour modifier les styles du texte du masque</a:t>
             </a:r>
           </a:p>
@@ -3214,7 +3203,7 @@
             <a:pPr eaLnBrk="1" hangingPunct="1">
               <a:defRPr/>
             </a:pPr>
-            <a:endParaRPr lang="fr-FR" altLang="fr-FR" smtClean="0"/>
+            <a:endParaRPr lang="fr-FR" altLang="fr-FR"/>
           </a:p>
         </p:txBody>
       </p:sp>
@@ -3368,7 +3357,7 @@
               <a:defRPr/>
             </a:pPr>
             <a:r>
-              <a:rPr lang="fr-FR" altLang="fr-FR" sz="1200" smtClean="0"/>
+              <a:rPr lang="fr-FR" altLang="fr-FR" sz="1200"/>
               <a:t>Page </a:t>
             </a:r>
             <a:fld id="{AC551048-6D06-4290-88FE-1AED67B006C8}" type="slidenum">
@@ -3381,7 +3370,7 @@
               </a:pPr>
               <a:t>‹N°›</a:t>
             </a:fld>
-            <a:endParaRPr lang="fr-FR" altLang="fr-FR" smtClean="0">
+            <a:endParaRPr lang="fr-FR" altLang="fr-FR">
               <a:latin typeface="Times New Roman" panose="02020603050405020304" pitchFamily="18" charset="0"/>
             </a:endParaRPr>
           </a:p>
@@ -3439,7 +3428,7 @@
           <a:p>
             <a:pPr lvl="0"/>
             <a:r>
-              <a:rPr lang="fr-FR" altLang="fr-FR" smtClean="0"/>
+              <a:rPr lang="fr-FR" altLang="fr-FR"/>
               <a:t>Cliquez pour modifier le style du titre du masque</a:t>
             </a:r>
           </a:p>
@@ -3497,35 +3486,35 @@
           <a:p>
             <a:pPr lvl="0"/>
             <a:r>
-              <a:rPr lang="fr-FR" altLang="fr-FR" smtClean="0"/>
+              <a:rPr lang="fr-FR" altLang="fr-FR"/>
               <a:t>Cliquez pour modifier les styles du texte du masque</a:t>
             </a:r>
           </a:p>
           <a:p>
             <a:pPr lvl="1"/>
             <a:r>
-              <a:rPr lang="fr-FR" altLang="fr-FR" smtClean="0"/>
+              <a:rPr lang="fr-FR" altLang="fr-FR"/>
               <a:t>Deuxième niveau</a:t>
             </a:r>
           </a:p>
           <a:p>
             <a:pPr lvl="2"/>
             <a:r>
-              <a:rPr lang="fr-FR" altLang="fr-FR" smtClean="0"/>
+              <a:rPr lang="fr-FR" altLang="fr-FR"/>
               <a:t>Troisième niveau</a:t>
             </a:r>
           </a:p>
           <a:p>
             <a:pPr lvl="3"/>
             <a:r>
-              <a:rPr lang="fr-FR" altLang="fr-FR" smtClean="0"/>
+              <a:rPr lang="fr-FR" altLang="fr-FR"/>
               <a:t>Quatrième niveau</a:t>
             </a:r>
           </a:p>
           <a:p>
             <a:pPr lvl="4"/>
             <a:r>
-              <a:rPr lang="fr-FR" altLang="fr-FR" smtClean="0"/>
+              <a:rPr lang="fr-FR" altLang="fr-FR"/>
               <a:t>Cinquième niveau</a:t>
             </a:r>
           </a:p>
@@ -3681,10 +3670,10 @@
               <a:defRPr/>
             </a:pPr>
             <a:r>
-              <a:rPr lang="fr-FR" sz="1200" smtClean="0"/>
+              <a:rPr lang="fr-FR" sz="1200"/>
               <a:t>© Cyril Vincent Conseil</a:t>
             </a:r>
-            <a:endParaRPr lang="fr-FR" smtClean="0">
+            <a:endParaRPr lang="fr-FR">
               <a:latin typeface="Times New Roman" pitchFamily="18" charset="0"/>
             </a:endParaRPr>
           </a:p>
@@ -4167,7 +4156,7 @@
           <a:p>
             <a:pPr eaLnBrk="1" hangingPunct="1"/>
             <a:r>
-              <a:rPr lang="fr-FR" altLang="fr-FR" smtClean="0"/>
+              <a:rPr lang="fr-FR" altLang="fr-FR"/>
               <a:t>Spring</a:t>
             </a:r>
           </a:p>
@@ -4189,12 +4178,12 @@
           <a:lstStyle/>
           <a:p>
             <a:pPr eaLnBrk="1" hangingPunct="1"/>
-            <a:endParaRPr lang="fr-FR" altLang="fr-FR" smtClean="0"/>
+            <a:endParaRPr lang="fr-FR" altLang="fr-FR"/>
           </a:p>
           <a:p>
             <a:pPr eaLnBrk="1" hangingPunct="1"/>
             <a:r>
-              <a:rPr lang="fr-FR" altLang="fr-FR" smtClean="0"/>
+              <a:rPr lang="fr-FR" altLang="fr-FR"/>
               <a:t>JPA</a:t>
             </a:r>
           </a:p>
@@ -4246,13 +4235,6 @@
   <p:clrMapOvr>
     <a:masterClrMapping/>
   </p:clrMapOvr>
-  <p:timing>
-    <p:tnLst>
-      <p:par>
-        <p:cTn id="1" dur="indefinite" restart="never" nodeType="tmRoot"/>
-      </p:par>
-    </p:tnLst>
-  </p:timing>
 </p:sld>
 </file>
 
@@ -4289,7 +4271,7 @@
           <a:lstStyle/>
           <a:p>
             <a:r>
-              <a:rPr lang="fr-FR" altLang="fr-FR" smtClean="0"/>
+              <a:rPr lang="fr-FR" altLang="fr-FR"/>
               <a:t>Dépendances</a:t>
             </a:r>
           </a:p>
@@ -4311,31 +4293,31 @@
           <a:lstStyle/>
           <a:p>
             <a:r>
-              <a:rPr lang="fr-FR" altLang="fr-FR" smtClean="0"/>
+              <a:rPr lang="fr-FR" altLang="fr-FR"/>
               <a:t>Spring Boot</a:t>
             </a:r>
           </a:p>
           <a:p>
             <a:r>
-              <a:rPr lang="fr-FR" altLang="fr-FR" smtClean="0"/>
+              <a:rPr lang="fr-FR" altLang="fr-FR"/>
               <a:t>Lombok</a:t>
             </a:r>
           </a:p>
           <a:p>
             <a:r>
-              <a:rPr lang="fr-FR" altLang="fr-FR" smtClean="0"/>
+              <a:rPr lang="fr-FR" altLang="fr-FR"/>
               <a:t>Driver JDBC</a:t>
             </a:r>
           </a:p>
           <a:p>
             <a:r>
-              <a:rPr lang="fr-FR" altLang="fr-FR" smtClean="0"/>
+              <a:rPr lang="fr-FR" altLang="fr-FR"/>
               <a:t>Spring Data JPA</a:t>
             </a:r>
           </a:p>
           <a:p>
             <a:pPr lvl="1"/>
-            <a:endParaRPr lang="fr-FR" altLang="fr-FR" smtClean="0"/>
+            <a:endParaRPr lang="fr-FR" altLang="fr-FR"/>
           </a:p>
         </p:txBody>
       </p:sp>
@@ -4488,7 +4470,7 @@
           <a:lstStyle/>
           <a:p>
             <a:r>
-              <a:rPr lang="fr-FR" altLang="fr-FR" smtClean="0"/>
+              <a:rPr lang="fr-FR" altLang="fr-FR"/>
               <a:t>Configuration</a:t>
             </a:r>
           </a:p>
@@ -4510,14 +4492,14 @@
           <a:lstStyle/>
           <a:p>
             <a:r>
-              <a:rPr lang="fr-FR" altLang="fr-FR" smtClean="0"/>
+              <a:rPr lang="fr-FR" altLang="fr-FR"/>
               <a:t>Application.properties</a:t>
             </a:r>
           </a:p>
           <a:p>
             <a:pPr lvl="1"/>
             <a:r>
-              <a:rPr lang="fr-FR" altLang="fr-FR" sz="1800" smtClean="0">
+              <a:rPr lang="fr-FR" altLang="fr-FR" sz="1800">
                 <a:latin typeface="Courier New" panose="02070309020205020404" pitchFamily="49" charset="0"/>
                 <a:cs typeface="Courier New" panose="02070309020205020404" pitchFamily="49" charset="0"/>
               </a:rPr>
@@ -4527,7 +4509,7 @@
           <a:p>
             <a:pPr lvl="1"/>
             <a:r>
-              <a:rPr lang="fr-FR" altLang="fr-FR" sz="1800" smtClean="0">
+              <a:rPr lang="fr-FR" altLang="fr-FR" sz="1800">
                 <a:latin typeface="Courier New" panose="02070309020205020404" pitchFamily="49" charset="0"/>
                 <a:cs typeface="Courier New" panose="02070309020205020404" pitchFamily="49" charset="0"/>
               </a:rPr>
@@ -4537,7 +4519,7 @@
           <a:p>
             <a:pPr lvl="1"/>
             <a:r>
-              <a:rPr lang="fr-FR" altLang="fr-FR" sz="1800" smtClean="0">
+              <a:rPr lang="fr-FR" altLang="fr-FR" sz="1800">
                 <a:latin typeface="Courier New" panose="02070309020205020404" pitchFamily="49" charset="0"/>
                 <a:cs typeface="Courier New" panose="02070309020205020404" pitchFamily="49" charset="0"/>
               </a:rPr>
@@ -4547,7 +4529,7 @@
           <a:p>
             <a:pPr lvl="1"/>
             <a:r>
-              <a:rPr lang="fr-FR" altLang="fr-FR" sz="1800" smtClean="0">
+              <a:rPr lang="fr-FR" altLang="fr-FR" sz="1800">
                 <a:latin typeface="Courier New" panose="02070309020205020404" pitchFamily="49" charset="0"/>
                 <a:cs typeface="Courier New" panose="02070309020205020404" pitchFamily="49" charset="0"/>
               </a:rPr>
@@ -4557,7 +4539,7 @@
           <a:p>
             <a:pPr lvl="1"/>
             <a:r>
-              <a:rPr lang="fr-FR" altLang="fr-FR" sz="1800" smtClean="0">
+              <a:rPr lang="fr-FR" altLang="fr-FR" sz="1800">
                 <a:latin typeface="Courier New" panose="02070309020205020404" pitchFamily="49" charset="0"/>
                 <a:cs typeface="Courier New" panose="02070309020205020404" pitchFamily="49" charset="0"/>
               </a:rPr>
@@ -4567,7 +4549,7 @@
           <a:p>
             <a:pPr lvl="1"/>
             <a:r>
-              <a:rPr lang="fr-FR" altLang="fr-FR" sz="1800" smtClean="0">
+              <a:rPr lang="fr-FR" altLang="fr-FR" sz="1800">
                 <a:latin typeface="Courier New" panose="02070309020205020404" pitchFamily="49" charset="0"/>
                 <a:cs typeface="Courier New" panose="02070309020205020404" pitchFamily="49" charset="0"/>
               </a:rPr>
@@ -4617,7 +4599,7 @@
           <a:lstStyle/>
           <a:p>
             <a:r>
-              <a:rPr lang="fr-FR" altLang="fr-FR" smtClean="0"/>
+              <a:rPr lang="fr-FR" altLang="fr-FR"/>
               <a:t>Entité persistente</a:t>
             </a:r>
           </a:p>
@@ -4639,52 +4621,52 @@
           <a:lstStyle/>
           <a:p>
             <a:r>
-              <a:rPr lang="fr-FR" altLang="fr-FR" smtClean="0"/>
+              <a:rPr lang="fr-FR" altLang="fr-FR"/>
               <a:t>Doivent importées javax.persistence.*</a:t>
             </a:r>
           </a:p>
           <a:p>
             <a:r>
-              <a:rPr lang="fr-FR" altLang="fr-FR" smtClean="0"/>
+              <a:rPr lang="fr-FR" altLang="fr-FR"/>
               <a:t>Basé sur les annotations</a:t>
             </a:r>
           </a:p>
           <a:p>
             <a:r>
-              <a:rPr lang="fr-FR" altLang="fr-FR" smtClean="0"/>
+              <a:rPr lang="fr-FR" altLang="fr-FR"/>
               <a:t>@entity</a:t>
             </a:r>
           </a:p>
           <a:p>
             <a:pPr lvl="1"/>
             <a:r>
-              <a:rPr lang="fr-FR" altLang="fr-FR" smtClean="0"/>
+              <a:rPr lang="fr-FR" altLang="fr-FR"/>
               <a:t>marque une classe comme entité</a:t>
             </a:r>
           </a:p>
           <a:p>
             <a:r>
-              <a:rPr lang="fr-FR" altLang="fr-FR" smtClean="0"/>
+              <a:rPr lang="fr-FR" altLang="fr-FR"/>
               <a:t>@table(name="Book")</a:t>
             </a:r>
           </a:p>
           <a:p>
             <a:pPr lvl="1"/>
             <a:r>
-              <a:rPr lang="fr-FR" altLang="fr-FR" smtClean="0"/>
+              <a:rPr lang="fr-FR" altLang="fr-FR"/>
               <a:t>créé le mapping vers la table</a:t>
             </a:r>
           </a:p>
           <a:p>
             <a:r>
-              <a:rPr lang="fr-FR" altLang="fr-FR" smtClean="0"/>
+              <a:rPr lang="fr-FR" altLang="fr-FR"/>
               <a:t>@Column(name="Price", nullable=false)</a:t>
             </a:r>
           </a:p>
           <a:p>
             <a:pPr lvl="1"/>
             <a:r>
-              <a:rPr lang="fr-FR" altLang="fr-FR" smtClean="0"/>
+              <a:rPr lang="fr-FR" altLang="fr-FR"/>
               <a:t>créé le mapping vers une colonne</a:t>
             </a:r>
           </a:p>
@@ -4695,13 +4677,6 @@
   <p:clrMapOvr>
     <a:masterClrMapping/>
   </p:clrMapOvr>
-  <p:timing>
-    <p:tnLst>
-      <p:par>
-        <p:cTn id="1" dur="indefinite" restart="never" nodeType="tmRoot"/>
-      </p:par>
-    </p:tnLst>
-  </p:timing>
 </p:sld>
 </file>
 
@@ -4738,7 +4713,7 @@
           <a:lstStyle/>
           <a:p>
             <a:r>
-              <a:rPr lang="fr-FR" altLang="fr-FR" smtClean="0"/>
+              <a:rPr lang="fr-FR" altLang="fr-FR"/>
               <a:t>Gestion des clés PK</a:t>
             </a:r>
           </a:p>
@@ -4760,55 +4735,55 @@
           <a:lstStyle/>
           <a:p>
             <a:r>
-              <a:rPr lang="fr-FR" altLang="fr-FR" smtClean="0"/>
+              <a:rPr lang="fr-FR" altLang="fr-FR"/>
               <a:t>@Id</a:t>
             </a:r>
           </a:p>
           <a:p>
             <a:pPr lvl="1"/>
             <a:r>
-              <a:rPr lang="fr-FR" altLang="fr-FR" smtClean="0"/>
+              <a:rPr lang="fr-FR" altLang="fr-FR"/>
               <a:t>Marque un attribut comme clé primaire</a:t>
             </a:r>
           </a:p>
           <a:p>
             <a:r>
-              <a:rPr lang="fr-FR" altLang="fr-FR" smtClean="0"/>
+              <a:rPr lang="fr-FR" altLang="fr-FR"/>
               <a:t>@GeneratedValue(strategy=GenerationType.IDENTITY)</a:t>
             </a:r>
           </a:p>
           <a:p>
             <a:pPr lvl="1"/>
             <a:r>
-              <a:rPr lang="fr-FR" altLang="fr-FR" smtClean="0"/>
+              <a:rPr lang="fr-FR" altLang="fr-FR"/>
               <a:t>Algorithme de génération de la clé</a:t>
             </a:r>
           </a:p>
           <a:p>
             <a:pPr lvl="1"/>
             <a:r>
-              <a:rPr lang="fr-FR" altLang="fr-FR" smtClean="0"/>
+              <a:rPr lang="fr-FR" altLang="fr-FR"/>
               <a:t>AUTO</a:t>
             </a:r>
           </a:p>
           <a:p>
             <a:pPr lvl="1"/>
             <a:r>
-              <a:rPr lang="fr-FR" altLang="fr-FR" smtClean="0"/>
+              <a:rPr lang="fr-FR" altLang="fr-FR"/>
               <a:t>IDENTITY</a:t>
             </a:r>
           </a:p>
           <a:p>
             <a:pPr lvl="1"/>
             <a:r>
-              <a:rPr lang="fr-FR" altLang="fr-FR" smtClean="0"/>
+              <a:rPr lang="fr-FR" altLang="fr-FR"/>
               <a:t>SEQUENCE</a:t>
             </a:r>
           </a:p>
           <a:p>
             <a:pPr lvl="1"/>
             <a:r>
-              <a:rPr lang="fr-FR" altLang="fr-FR" smtClean="0"/>
+              <a:rPr lang="fr-FR" altLang="fr-FR"/>
               <a:t>TABLE</a:t>
             </a:r>
           </a:p>
@@ -4819,13 +4794,6 @@
   <p:clrMapOvr>
     <a:masterClrMapping/>
   </p:clrMapOvr>
-  <p:timing>
-    <p:tnLst>
-      <p:par>
-        <p:cTn id="1" dur="indefinite" restart="never" nodeType="tmRoot"/>
-      </p:par>
-    </p:tnLst>
-  </p:timing>
 </p:sld>
 </file>
 
@@ -4862,7 +4830,7 @@
           <a:lstStyle/>
           <a:p>
             <a:r>
-              <a:rPr lang="fr-FR" altLang="fr-FR" smtClean="0"/>
+              <a:rPr lang="fr-FR" altLang="fr-FR"/>
               <a:t>Identity</a:t>
             </a:r>
           </a:p>
@@ -4884,27 +4852,27 @@
           <a:lstStyle/>
           <a:p>
             <a:r>
-              <a:rPr lang="fr-FR" altLang="fr-FR" smtClean="0"/>
+              <a:rPr lang="fr-FR" altLang="fr-FR"/>
               <a:t>Si la PK est auto-générée il faut sous traiter à la base a gestion de la PK</a:t>
             </a:r>
           </a:p>
           <a:p>
             <a:pPr lvl="1"/>
             <a:r>
-              <a:rPr lang="fr-FR" altLang="fr-FR" smtClean="0"/>
+              <a:rPr lang="fr-FR" altLang="fr-FR"/>
               <a:t>Key generator = identity</a:t>
             </a:r>
           </a:p>
           <a:p>
             <a:pPr lvl="1"/>
             <a:r>
-              <a:rPr lang="fr-FR" altLang="fr-FR" smtClean="0"/>
+              <a:rPr lang="fr-FR" altLang="fr-FR"/>
               <a:t>Pour Oracle il faut utiliser les sequences</a:t>
             </a:r>
           </a:p>
           <a:p>
             <a:r>
-              <a:rPr lang="fr-FR" altLang="fr-FR" smtClean="0"/>
+              <a:rPr lang="fr-FR" altLang="fr-FR"/>
               <a:t>Implémenter IEntity pour le pattern Entity</a:t>
             </a:r>
           </a:p>
@@ -4951,7 +4919,7 @@
           <a:lstStyle/>
           <a:p>
             <a:r>
-              <a:rPr lang="fr-FR" altLang="fr-FR" smtClean="0"/>
+              <a:rPr lang="fr-FR" altLang="fr-FR"/>
               <a:t>Rappel CrudRepository</a:t>
             </a:r>
           </a:p>
@@ -4973,7 +4941,7 @@
           <a:lstStyle/>
           <a:p>
             <a:r>
-              <a:rPr lang="fr-FR" altLang="fr-FR" smtClean="0"/>
+              <a:rPr lang="fr-FR" altLang="fr-FR"/>
               <a:t>Query Lookup Strategy</a:t>
             </a:r>
           </a:p>
@@ -5074,7 +5042,7 @@
           <a:lstStyle/>
           <a:p>
             <a:r>
-              <a:rPr lang="fr-FR" altLang="fr-FR" smtClean="0"/>
+              <a:rPr lang="fr-FR" altLang="fr-FR"/>
               <a:t>Find..By</a:t>
             </a:r>
           </a:p>
@@ -5101,14 +5069,14 @@
           <a:lstStyle/>
           <a:p>
             <a:r>
-              <a:rPr lang="fr-FR" altLang="fr-FR" sz="2400" smtClean="0"/>
+              <a:rPr lang="fr-FR" altLang="fr-FR" sz="2400"/>
               <a:t>La norme FindBy permet d’effectuer une requête</a:t>
             </a:r>
           </a:p>
           <a:p>
             <a:pPr lvl="1"/>
             <a:r>
-              <a:rPr lang="fr-FR" altLang="fr-FR" sz="2000" smtClean="0"/>
+              <a:rPr lang="fr-FR" altLang="fr-FR" sz="2000"/>
               <a:t>De nombreuses option de nommage sont disponibles</a:t>
             </a:r>
           </a:p>
@@ -5209,7 +5177,7 @@
           <a:lstStyle/>
           <a:p>
             <a:r>
-              <a:rPr lang="fr-FR" altLang="fr-FR" smtClean="0"/>
+              <a:rPr lang="fr-FR" altLang="fr-FR"/>
               <a:t>Tri et pagination</a:t>
             </a:r>
           </a:p>
@@ -5230,7 +5198,7 @@
           <a:bodyPr/>
           <a:lstStyle/>
           <a:p>
-            <a:endParaRPr lang="fr-FR" altLang="fr-FR" smtClean="0"/>
+            <a:endParaRPr lang="fr-FR" altLang="fr-FR"/>
           </a:p>
         </p:txBody>
       </p:sp>
@@ -5329,7 +5297,7 @@
           <a:lstStyle/>
           <a:p>
             <a:r>
-              <a:rPr lang="fr-FR" altLang="fr-FR" smtClean="0"/>
+              <a:rPr lang="fr-FR" altLang="fr-FR"/>
               <a:t>Sort</a:t>
             </a:r>
           </a:p>
@@ -5351,12 +5319,12 @@
           <a:lstStyle/>
           <a:p>
             <a:r>
-              <a:rPr lang="fr-FR" altLang="fr-FR" smtClean="0"/>
+              <a:rPr lang="fr-FR" altLang="fr-FR"/>
               <a:t>Il existe 2 façons de créer un Sort</a:t>
             </a:r>
           </a:p>
           <a:p>
-            <a:endParaRPr lang="fr-FR" altLang="fr-FR" smtClean="0"/>
+            <a:endParaRPr lang="fr-FR" altLang="fr-FR"/>
           </a:p>
         </p:txBody>
       </p:sp>
@@ -5509,7 +5477,7 @@
           <a:lstStyle/>
           <a:p>
             <a:r>
-              <a:rPr lang="fr-FR" altLang="fr-FR" smtClean="0"/>
+              <a:rPr lang="fr-FR" altLang="fr-FR"/>
               <a:t>Limiter les résultats</a:t>
             </a:r>
           </a:p>
@@ -5530,7 +5498,7 @@
           <a:bodyPr/>
           <a:lstStyle/>
           <a:p>
-            <a:endParaRPr lang="fr-FR" altLang="fr-FR" smtClean="0"/>
+            <a:endParaRPr lang="fr-FR" altLang="fr-FR"/>
           </a:p>
         </p:txBody>
       </p:sp>
@@ -5629,7 +5597,7 @@
           <a:lstStyle/>
           <a:p>
             <a:r>
-              <a:rPr lang="fr-FR" altLang="fr-FR" sz="2800" smtClean="0"/>
+              <a:rPr lang="fr-FR" altLang="fr-FR" sz="2800"/>
               <a:t>Considérations sur la persistance des objets</a:t>
             </a:r>
           </a:p>
@@ -5656,43 +5624,43 @@
           <a:lstStyle/>
           <a:p>
             <a:r>
-              <a:rPr lang="fr-FR" altLang="fr-FR" sz="2000" smtClean="0"/>
+              <a:rPr lang="fr-FR" altLang="fr-FR" sz="2000"/>
               <a:t>Considérons les opérations </a:t>
             </a:r>
             <a:r>
-              <a:rPr lang="fr-FR" altLang="fr-FR" sz="2000" u="sng" smtClean="0"/>
+              <a:rPr lang="fr-FR" altLang="fr-FR" sz="2000" u="sng"/>
               <a:t>C</a:t>
             </a:r>
             <a:r>
-              <a:rPr lang="fr-FR" altLang="fr-FR" sz="2000" smtClean="0"/>
+              <a:rPr lang="fr-FR" altLang="fr-FR" sz="2000"/>
               <a:t>reate, </a:t>
             </a:r>
             <a:r>
-              <a:rPr lang="fr-FR" altLang="fr-FR" sz="2000" u="sng" smtClean="0"/>
+              <a:rPr lang="fr-FR" altLang="fr-FR" sz="2000" u="sng"/>
               <a:t>R</a:t>
             </a:r>
             <a:r>
-              <a:rPr lang="fr-FR" altLang="fr-FR" sz="2000" smtClean="0"/>
+              <a:rPr lang="fr-FR" altLang="fr-FR" sz="2000"/>
               <a:t>ead, </a:t>
             </a:r>
             <a:r>
-              <a:rPr lang="fr-FR" altLang="fr-FR" sz="2000" u="sng" smtClean="0"/>
+              <a:rPr lang="fr-FR" altLang="fr-FR" sz="2000" u="sng"/>
               <a:t>U</a:t>
             </a:r>
             <a:r>
-              <a:rPr lang="fr-FR" altLang="fr-FR" sz="2000" smtClean="0"/>
+              <a:rPr lang="fr-FR" altLang="fr-FR" sz="2000"/>
               <a:t>pdate, </a:t>
             </a:r>
             <a:r>
-              <a:rPr lang="fr-FR" altLang="fr-FR" sz="2000" u="sng" smtClean="0"/>
+              <a:rPr lang="fr-FR" altLang="fr-FR" sz="2000" u="sng"/>
               <a:t>D</a:t>
             </a:r>
             <a:r>
-              <a:rPr lang="fr-FR" altLang="fr-FR" sz="2000" smtClean="0"/>
+              <a:rPr lang="fr-FR" altLang="fr-FR" sz="2000"/>
               <a:t>elete en ce qui concerne les  </a:t>
             </a:r>
             <a:r>
-              <a:rPr lang="fr-FR" altLang="fr-FR" sz="2000" smtClean="0">
+              <a:rPr lang="fr-FR" altLang="fr-FR" sz="2000">
                 <a:latin typeface="Courier New" panose="02070309020205020404" pitchFamily="49" charset="0"/>
                 <a:cs typeface="Courier New" panose="02070309020205020404" pitchFamily="49" charset="0"/>
               </a:rPr>
@@ -5702,28 +5670,28 @@
           <a:p>
             <a:pPr lvl="1"/>
             <a:r>
-              <a:rPr lang="fr-FR" altLang="fr-FR" sz="1800" smtClean="0"/>
+              <a:rPr lang="fr-FR" altLang="fr-FR" sz="1800"/>
               <a:t>Create :  Pourrait nécessiter des insertions dans plusieurs tables</a:t>
             </a:r>
           </a:p>
           <a:p>
             <a:pPr lvl="1"/>
             <a:r>
-              <a:rPr lang="fr-FR" altLang="fr-FR" sz="1800" smtClean="0"/>
+              <a:rPr lang="fr-FR" altLang="fr-FR" sz="1800"/>
               <a:t>Read :    Devons-nous lire toutes les données liées ? </a:t>
             </a:r>
           </a:p>
           <a:p>
             <a:pPr lvl="1"/>
             <a:r>
-              <a:rPr lang="fr-FR" altLang="fr-FR" sz="1800" smtClean="0"/>
+              <a:rPr lang="fr-FR" altLang="fr-FR" sz="1800"/>
               <a:t>Update : Quelles sont les parties du graphe des objets qui doivent changer ?</a:t>
             </a:r>
           </a:p>
           <a:p>
             <a:pPr lvl="1"/>
             <a:r>
-              <a:rPr lang="fr-FR" altLang="fr-FR" sz="1800" smtClean="0"/>
+              <a:rPr lang="fr-FR" altLang="fr-FR" sz="1800"/>
               <a:t>Delete :  Devons-nous supprimer toutes les données liées ?</a:t>
             </a:r>
           </a:p>
@@ -8601,13 +8569,6 @@
   <p:clrMapOvr>
     <a:masterClrMapping/>
   </p:clrMapOvr>
-  <p:timing>
-    <p:tnLst>
-      <p:par>
-        <p:cTn id="1" dur="indefinite" restart="never" nodeType="tmRoot"/>
-      </p:par>
-    </p:tnLst>
-  </p:timing>
 </p:sld>
 </file>
 
@@ -8644,7 +8605,7 @@
           <a:lstStyle/>
           <a:p>
             <a:r>
-              <a:rPr lang="fr-FR" altLang="fr-FR" smtClean="0"/>
+              <a:rPr lang="fr-FR" altLang="fr-FR"/>
               <a:t>Lazy Loading</a:t>
             </a:r>
           </a:p>
@@ -8666,25 +8627,25 @@
           <a:lstStyle/>
           <a:p>
             <a:r>
-              <a:rPr lang="fr-FR" altLang="fr-FR" sz="2400" smtClean="0"/>
+              <a:rPr lang="fr-FR" altLang="fr-FR" sz="2400"/>
               <a:t>Le lazy loading consiste à charger des objets uniquement lorsque l'on y accède explicitement</a:t>
             </a:r>
           </a:p>
           <a:p>
             <a:r>
-              <a:rPr lang="fr-FR" altLang="fr-FR" sz="2400" smtClean="0"/>
+              <a:rPr lang="fr-FR" altLang="fr-FR" sz="2400"/>
               <a:t>Livre peut posséder un attribut de type Utilisateur qui ne sera chargé que si l'ont y accède</a:t>
             </a:r>
           </a:p>
           <a:p>
             <a:r>
-              <a:rPr lang="fr-FR" altLang="fr-FR" sz="2400" smtClean="0"/>
+              <a:rPr lang="fr-FR" altLang="fr-FR" sz="2400"/>
               <a:t>Activé par défaut dans les relations *ToMany</a:t>
             </a:r>
           </a:p>
           <a:p>
             <a:r>
-              <a:rPr lang="fr-FR" altLang="fr-FR" sz="2400" smtClean="0"/>
+              <a:rPr lang="fr-FR" altLang="fr-FR" sz="2400"/>
               <a:t>Désactivé par défaut dans les relations ToOne</a:t>
             </a:r>
           </a:p>
@@ -8695,13 +8656,6 @@
   <p:clrMapOvr>
     <a:masterClrMapping/>
   </p:clrMapOvr>
-  <p:timing>
-    <p:tnLst>
-      <p:par>
-        <p:cTn id="1" dur="indefinite" restart="never" nodeType="tmRoot"/>
-      </p:par>
-    </p:tnLst>
-  </p:timing>
 </p:sld>
 </file>
 
@@ -8738,7 +8692,7 @@
           <a:lstStyle/>
           <a:p>
             <a:r>
-              <a:rPr lang="fr-FR" altLang="fr-FR" smtClean="0"/>
+              <a:rPr lang="fr-FR" altLang="fr-FR"/>
               <a:t>Containing et Streaming</a:t>
             </a:r>
           </a:p>
@@ -8760,14 +8714,14 @@
           <a:lstStyle/>
           <a:p>
             <a:r>
-              <a:rPr lang="fr-FR" altLang="fr-FR" smtClean="0"/>
+              <a:rPr lang="fr-FR" altLang="fr-FR"/>
               <a:t>Les requêtes retournent des Stream</a:t>
             </a:r>
           </a:p>
           <a:p>
             <a:pPr lvl="1"/>
             <a:r>
-              <a:rPr lang="fr-FR" altLang="fr-FR" smtClean="0"/>
+              <a:rPr lang="fr-FR" altLang="fr-FR"/>
               <a:t>Lazy loading</a:t>
             </a:r>
           </a:p>
@@ -8868,7 +8822,7 @@
           <a:lstStyle/>
           <a:p>
             <a:r>
-              <a:rPr lang="fr-FR" altLang="fr-FR" smtClean="0"/>
+              <a:rPr lang="fr-FR" altLang="fr-FR"/>
               <a:t>Associations</a:t>
             </a:r>
           </a:p>
@@ -8895,35 +8849,35 @@
           <a:lstStyle/>
           <a:p>
             <a:r>
-              <a:rPr lang="fr-FR" altLang="fr-FR" smtClean="0"/>
+              <a:rPr lang="fr-FR" altLang="fr-FR"/>
               <a:t>Détermine à partir des FK les associations</a:t>
             </a:r>
           </a:p>
           <a:p>
             <a:pPr lvl="1"/>
             <a:r>
-              <a:rPr lang="fr-FR" altLang="fr-FR" smtClean="0"/>
+              <a:rPr lang="fr-FR" altLang="fr-FR"/>
               <a:t>1-1</a:t>
             </a:r>
           </a:p>
           <a:p>
             <a:pPr lvl="1"/>
             <a:r>
-              <a:rPr lang="fr-FR" altLang="fr-FR" smtClean="0"/>
+              <a:rPr lang="fr-FR" altLang="fr-FR"/>
               <a:t>1-n</a:t>
             </a:r>
           </a:p>
           <a:p>
             <a:pPr lvl="1"/>
             <a:r>
-              <a:rPr lang="fr-FR" altLang="fr-FR" smtClean="0"/>
+              <a:rPr lang="fr-FR" altLang="fr-FR"/>
               <a:t>0-n</a:t>
             </a:r>
           </a:p>
           <a:p>
             <a:pPr lvl="1"/>
             <a:r>
-              <a:rPr lang="fr-FR" altLang="fr-FR" smtClean="0"/>
+              <a:rPr lang="fr-FR" altLang="fr-FR"/>
               <a:t>n-m</a:t>
             </a:r>
           </a:p>
@@ -9042,7 +8996,7 @@
           <a:lstStyle/>
           <a:p>
             <a:r>
-              <a:rPr lang="fr-FR" altLang="fr-FR" smtClean="0"/>
+              <a:rPr lang="fr-FR" altLang="fr-FR"/>
               <a:t>Expressions de propriétés</a:t>
             </a:r>
           </a:p>
@@ -9067,42 +9021,42 @@
               <a:defRPr/>
             </a:pPr>
             <a:r>
-              <a:rPr lang="fr-FR" dirty="0" smtClean="0"/>
+              <a:rPr lang="fr-FR" dirty="0"/>
               <a:t>Supposons la table Person -&gt; </a:t>
             </a:r>
             <a:r>
-              <a:rPr lang="fr-FR" dirty="0" err="1" smtClean="0"/>
+              <a:rPr lang="fr-FR" dirty="0" err="1"/>
               <a:t>Address</a:t>
             </a:r>
             <a:r>
-              <a:rPr lang="fr-FR" dirty="0" smtClean="0"/>
+              <a:rPr lang="fr-FR" dirty="0"/>
               <a:t> -&gt; </a:t>
             </a:r>
             <a:r>
-              <a:rPr lang="fr-FR" dirty="0" err="1" smtClean="0"/>
+              <a:rPr lang="fr-FR" dirty="0" err="1"/>
               <a:t>ZipCode</a:t>
             </a:r>
-            <a:endParaRPr lang="fr-FR" dirty="0" smtClean="0"/>
+            <a:endParaRPr lang="fr-FR" dirty="0"/>
           </a:p>
           <a:p>
             <a:pPr lvl="1">
               <a:defRPr/>
             </a:pPr>
             <a:r>
-              <a:rPr lang="fr-FR" dirty="0" smtClean="0"/>
+              <a:rPr lang="fr-FR" dirty="0"/>
               <a:t>Nous voulons accéder à </a:t>
             </a:r>
             <a:r>
-              <a:rPr lang="fr-FR" dirty="0" err="1" smtClean="0"/>
+              <a:rPr lang="fr-FR" dirty="0" err="1"/>
               <a:t>person.address.zipCode</a:t>
             </a:r>
-            <a:endParaRPr lang="fr-FR" dirty="0" smtClean="0"/>
+            <a:endParaRPr lang="fr-FR" dirty="0"/>
           </a:p>
           <a:p>
             <a:pPr lvl="1">
               <a:defRPr/>
             </a:pPr>
-            <a:endParaRPr lang="fr-FR" dirty="0" smtClean="0"/>
+            <a:endParaRPr lang="fr-FR" dirty="0"/>
           </a:p>
           <a:p>
             <a:pPr marL="0" indent="0">
@@ -9111,49 +9065,49 @@
               <a:defRPr/>
             </a:pPr>
             <a:r>
-              <a:rPr lang="fr-FR" sz="2000" dirty="0" smtClean="0">
+              <a:rPr lang="fr-FR" sz="2000" dirty="0">
                 <a:latin typeface="Courier New" panose="02070309020205020404" pitchFamily="49" charset="0"/>
                 <a:cs typeface="Courier New" panose="02070309020205020404" pitchFamily="49" charset="0"/>
               </a:rPr>
               <a:t>List&lt;Person&gt; </a:t>
             </a:r>
             <a:r>
-              <a:rPr lang="fr-FR" sz="2000" dirty="0" err="1" smtClean="0">
+              <a:rPr lang="fr-FR" sz="2000" dirty="0" err="1">
                 <a:latin typeface="Courier New" panose="02070309020205020404" pitchFamily="49" charset="0"/>
                 <a:cs typeface="Courier New" panose="02070309020205020404" pitchFamily="49" charset="0"/>
               </a:rPr>
               <a:t>findByAddressZipCode</a:t>
             </a:r>
             <a:r>
-              <a:rPr lang="fr-FR" sz="2000" dirty="0" smtClean="0">
+              <a:rPr lang="fr-FR" sz="2000" dirty="0">
                 <a:latin typeface="Courier New" panose="02070309020205020404" pitchFamily="49" charset="0"/>
                 <a:cs typeface="Courier New" panose="02070309020205020404" pitchFamily="49" charset="0"/>
               </a:rPr>
               <a:t>(</a:t>
             </a:r>
             <a:r>
-              <a:rPr lang="fr-FR" sz="2000" dirty="0" err="1" smtClean="0">
+              <a:rPr lang="fr-FR" sz="2000" dirty="0" err="1">
                 <a:latin typeface="Courier New" panose="02070309020205020404" pitchFamily="49" charset="0"/>
                 <a:cs typeface="Courier New" panose="02070309020205020404" pitchFamily="49" charset="0"/>
               </a:rPr>
               <a:t>ZipCode</a:t>
             </a:r>
             <a:r>
-              <a:rPr lang="fr-FR" sz="2000" dirty="0" smtClean="0">
+              <a:rPr lang="fr-FR" sz="2000" dirty="0">
                 <a:latin typeface="Courier New" panose="02070309020205020404" pitchFamily="49" charset="0"/>
                 <a:cs typeface="Courier New" panose="02070309020205020404" pitchFamily="49" charset="0"/>
               </a:rPr>
               <a:t> </a:t>
             </a:r>
             <a:r>
-              <a:rPr lang="fr-FR" sz="2000" dirty="0" err="1" smtClean="0">
+              <a:rPr lang="fr-FR" sz="2000" dirty="0" err="1">
                 <a:latin typeface="Courier New" panose="02070309020205020404" pitchFamily="49" charset="0"/>
                 <a:cs typeface="Courier New" panose="02070309020205020404" pitchFamily="49" charset="0"/>
               </a:rPr>
               <a:t>zipCode</a:t>
             </a:r>
             <a:r>
-              <a:rPr lang="fr-FR" sz="2000" dirty="0" smtClean="0">
+              <a:rPr lang="fr-FR" sz="2000" dirty="0">
                 <a:latin typeface="Courier New" panose="02070309020205020404" pitchFamily="49" charset="0"/>
                 <a:cs typeface="Courier New" panose="02070309020205020404" pitchFamily="49" charset="0"/>
               </a:rPr>
@@ -9173,31 +9127,27 @@
               </a:rPr>
               <a:t>²</a:t>
             </a:r>
-            <a:endParaRPr lang="fr-FR" sz="2000" dirty="0" smtClean="0">
-              <a:latin typeface="Courier New" panose="02070309020205020404" pitchFamily="49" charset="0"/>
-              <a:cs typeface="Courier New" panose="02070309020205020404" pitchFamily="49" charset="0"/>
-            </a:endParaRPr>
           </a:p>
           <a:p>
             <a:pPr lvl="1">
               <a:defRPr/>
             </a:pPr>
             <a:r>
-              <a:rPr lang="fr-FR" dirty="0" smtClean="0"/>
+              <a:rPr lang="fr-FR" dirty="0"/>
               <a:t>Il peut y a voir une ambiguïté </a:t>
             </a:r>
             <a:r>
-              <a:rPr lang="fr-FR" dirty="0" err="1" smtClean="0"/>
+              <a:rPr lang="fr-FR" dirty="0" err="1"/>
               <a:t>addresszip.code</a:t>
             </a:r>
-            <a:endParaRPr lang="fr-FR" dirty="0" smtClean="0"/>
+            <a:endParaRPr lang="fr-FR" dirty="0"/>
           </a:p>
           <a:p>
             <a:pPr lvl="1">
               <a:defRPr/>
             </a:pPr>
             <a:r>
-              <a:rPr lang="fr-FR" dirty="0" smtClean="0"/>
+              <a:rPr lang="fr-FR" dirty="0"/>
               <a:t>L’écriture avec _ fonctionne mais est mal toléré par Java</a:t>
             </a:r>
           </a:p>
@@ -9298,7 +9248,7 @@
           <a:lstStyle/>
           <a:p>
             <a:r>
-              <a:rPr lang="fr-FR" altLang="fr-FR" smtClean="0"/>
+              <a:rPr lang="fr-FR" altLang="fr-FR"/>
               <a:t>JPQL</a:t>
             </a:r>
           </a:p>
@@ -9320,38 +9270,38 @@
           <a:lstStyle/>
           <a:p>
             <a:r>
-              <a:rPr lang="fr-FR" altLang="fr-FR" smtClean="0"/>
+              <a:rPr lang="fr-FR" altLang="fr-FR"/>
               <a:t>Java Persistence Query Language</a:t>
             </a:r>
           </a:p>
           <a:p>
             <a:r>
-              <a:rPr lang="fr-FR" altLang="fr-FR" smtClean="0"/>
+              <a:rPr lang="fr-FR" altLang="fr-FR"/>
               <a:t>Langage de requête objet</a:t>
             </a:r>
           </a:p>
           <a:p>
             <a:pPr lvl="1"/>
             <a:r>
-              <a:rPr lang="fr-FR" altLang="fr-FR" smtClean="0"/>
+              <a:rPr lang="fr-FR" altLang="fr-FR"/>
               <a:t>N'est pas du SQL</a:t>
             </a:r>
           </a:p>
           <a:p>
             <a:r>
-              <a:rPr lang="en-US" altLang="fr-FR" smtClean="0"/>
+              <a:rPr lang="en-US" altLang="fr-FR"/>
               <a:t>select b from Book b</a:t>
             </a:r>
           </a:p>
           <a:p>
             <a:r>
-              <a:rPr lang="en-US" altLang="fr-FR" smtClean="0"/>
+              <a:rPr lang="en-US" altLang="fr-FR"/>
               <a:t>select b from Book b where b.id = 1</a:t>
             </a:r>
-            <a:endParaRPr lang="fr-FR" altLang="fr-FR" smtClean="0"/>
-          </a:p>
-          <a:p>
-            <a:endParaRPr lang="fr-FR" altLang="fr-FR" smtClean="0"/>
+            <a:endParaRPr lang="fr-FR" altLang="fr-FR"/>
+          </a:p>
+          <a:p>
+            <a:endParaRPr lang="fr-FR" altLang="fr-FR"/>
           </a:p>
         </p:txBody>
       </p:sp>
@@ -9360,13 +9310,6 @@
   <p:clrMapOvr>
     <a:masterClrMapping/>
   </p:clrMapOvr>
-  <p:timing>
-    <p:tnLst>
-      <p:par>
-        <p:cTn id="1" dur="indefinite" restart="never" nodeType="tmRoot"/>
-      </p:par>
-    </p:tnLst>
-  </p:timing>
 </p:sld>
 </file>
 
@@ -9403,7 +9346,7 @@
           <a:lstStyle/>
           <a:p>
             <a:r>
-              <a:rPr lang="fr-FR" altLang="fr-FR" smtClean="0"/>
+              <a:rPr lang="fr-FR" altLang="fr-FR"/>
               <a:t>Intégration JPQL</a:t>
             </a:r>
           </a:p>
@@ -9424,7 +9367,7 @@
           <a:bodyPr/>
           <a:lstStyle/>
           <a:p>
-            <a:endParaRPr lang="fr-FR" altLang="fr-FR" smtClean="0"/>
+            <a:endParaRPr lang="fr-FR" altLang="fr-FR"/>
           </a:p>
         </p:txBody>
       </p:sp>
@@ -9577,7 +9520,7 @@
           <a:lstStyle/>
           <a:p>
             <a:r>
-              <a:rPr lang="fr-FR" altLang="fr-FR" smtClean="0"/>
+              <a:rPr lang="fr-FR" altLang="fr-FR"/>
               <a:t>JPQL nommé</a:t>
             </a:r>
           </a:p>
@@ -9604,7 +9547,7 @@
           <a:lstStyle/>
           <a:p>
             <a:r>
-              <a:rPr lang="fr-FR" altLang="fr-FR" smtClean="0"/>
+              <a:rPr lang="fr-FR" altLang="fr-FR"/>
               <a:t>Il est possible d’avoir des requêtes paramétrées</a:t>
             </a:r>
           </a:p>
@@ -9705,7 +9648,7 @@
           <a:lstStyle/>
           <a:p>
             <a:r>
-              <a:rPr lang="fr-FR" altLang="fr-FR" smtClean="0"/>
+              <a:rPr lang="fr-FR" altLang="fr-FR"/>
               <a:t>Requêtes natives</a:t>
             </a:r>
           </a:p>
@@ -9727,7 +9670,7 @@
           <a:lstStyle/>
           <a:p>
             <a:r>
-              <a:rPr lang="fr-FR" altLang="fr-FR" smtClean="0"/>
+              <a:rPr lang="fr-FR" altLang="fr-FR"/>
               <a:t>Il est possible d’exécuter directement une requête SQL</a:t>
             </a:r>
           </a:p>
@@ -9828,7 +9771,7 @@
           <a:lstStyle/>
           <a:p>
             <a:r>
-              <a:rPr lang="fr-FR" altLang="fr-FR" smtClean="0"/>
+              <a:rPr lang="fr-FR" altLang="fr-FR"/>
               <a:t>Modifications</a:t>
             </a:r>
           </a:p>
@@ -9850,26 +9793,26 @@
           <a:lstStyle/>
           <a:p>
             <a:r>
-              <a:rPr lang="fr-FR" altLang="fr-FR" smtClean="0"/>
+              <a:rPr lang="fr-FR" altLang="fr-FR"/>
               <a:t>Delete fonctionne comme find</a:t>
             </a:r>
           </a:p>
           <a:p>
             <a:pPr lvl="1"/>
             <a:r>
-              <a:rPr lang="fr-FR" altLang="fr-FR" smtClean="0"/>
+              <a:rPr lang="fr-FR" altLang="fr-FR"/>
               <a:t>void deleteByRoleId(long roleId);</a:t>
             </a:r>
           </a:p>
           <a:p>
             <a:r>
-              <a:rPr lang="fr-FR" altLang="fr-FR" smtClean="0"/>
+              <a:rPr lang="fr-FR" altLang="fr-FR"/>
               <a:t>Pour update et insert il faut des requêtes JPQL et l’annotation @Modifying</a:t>
             </a:r>
           </a:p>
           <a:p>
             <a:r>
-              <a:rPr lang="fr-FR" altLang="fr-FR" smtClean="0"/>
+              <a:rPr lang="fr-FR" altLang="fr-FR"/>
               <a:t>Update</a:t>
             </a:r>
           </a:p>
@@ -9970,7 +9913,7 @@
           <a:lstStyle/>
           <a:p>
             <a:r>
-              <a:rPr lang="fr-FR" altLang="fr-FR" smtClean="0"/>
+              <a:rPr lang="fr-FR" altLang="fr-FR"/>
               <a:t>Modifications</a:t>
             </a:r>
           </a:p>
@@ -9992,7 +9935,7 @@
           <a:lstStyle/>
           <a:p>
             <a:r>
-              <a:rPr lang="fr-FR" altLang="fr-FR" smtClean="0"/>
+              <a:rPr lang="fr-FR" altLang="fr-FR"/>
               <a:t>delete</a:t>
             </a:r>
           </a:p>
@@ -10093,7 +10036,7 @@
           <a:lstStyle/>
           <a:p>
             <a:r>
-              <a:rPr lang="fr-FR" altLang="fr-FR" smtClean="0"/>
+              <a:rPr lang="fr-FR" altLang="fr-FR"/>
               <a:t>Mapping Objet Relationnel</a:t>
             </a:r>
           </a:p>
@@ -10120,75 +10063,75 @@
           <a:lstStyle/>
           <a:p>
             <a:r>
-              <a:rPr lang="fr-FR" altLang="fr-FR" sz="2000" smtClean="0"/>
+              <a:rPr lang="fr-FR" altLang="fr-FR" sz="2000"/>
               <a:t>Le problème posé est celui de l’automatisation de la persistance des objets Java dans une base de données</a:t>
             </a:r>
           </a:p>
           <a:p>
             <a:r>
-              <a:rPr lang="fr-FR" altLang="fr-FR" sz="2000" smtClean="0"/>
+              <a:rPr lang="fr-FR" altLang="fr-FR" sz="2000"/>
               <a:t>Les solutions envisageables sont liées à beaucoup de questions que l’on peut se poser</a:t>
             </a:r>
           </a:p>
           <a:p>
             <a:pPr lvl="1"/>
             <a:r>
-              <a:rPr lang="fr-FR" altLang="fr-FR" sz="1800" smtClean="0"/>
+              <a:rPr lang="fr-FR" altLang="fr-FR" sz="1800"/>
               <a:t>Quelles doivent être les classes persistantes ?</a:t>
             </a:r>
           </a:p>
           <a:p>
             <a:pPr lvl="1"/>
             <a:r>
-              <a:rPr lang="fr-FR" altLang="fr-FR" sz="1800" smtClean="0"/>
+              <a:rPr lang="fr-FR" altLang="fr-FR" sz="1800"/>
               <a:t>Comment la correspondance avec les tables de la base est-elle définie ?</a:t>
             </a:r>
           </a:p>
           <a:p>
             <a:pPr lvl="1"/>
             <a:r>
-              <a:rPr lang="fr-FR" altLang="fr-FR" sz="1800" smtClean="0"/>
+              <a:rPr lang="fr-FR" altLang="fr-FR" sz="1800"/>
               <a:t>Comment gérer l’héritage ?</a:t>
             </a:r>
           </a:p>
           <a:p>
             <a:pPr lvl="1"/>
             <a:r>
-              <a:rPr lang="fr-FR" altLang="fr-FR" sz="1800" smtClean="0"/>
+              <a:rPr lang="fr-FR" altLang="fr-FR" sz="1800"/>
               <a:t>Comment représenter la durée de vie des objets et de leurs liens ? </a:t>
             </a:r>
           </a:p>
           <a:p>
             <a:pPr lvl="1"/>
             <a:r>
-              <a:rPr lang="fr-FR" altLang="fr-FR" sz="1800" smtClean="0"/>
+              <a:rPr lang="fr-FR" altLang="fr-FR" sz="1800"/>
               <a:t>Comment les requêtes peuvent-elles être automatisées et définies avec une vision orientée objet ?</a:t>
             </a:r>
           </a:p>
           <a:p>
             <a:r>
-              <a:rPr lang="fr-FR" altLang="fr-FR" sz="2000" smtClean="0"/>
+              <a:rPr lang="fr-FR" altLang="fr-FR" sz="2000"/>
               <a:t>Employer un outil destiné au mapping Objet Relationnel</a:t>
             </a:r>
           </a:p>
           <a:p>
             <a:pPr lvl="1"/>
             <a:r>
-              <a:rPr lang="fr-FR" altLang="fr-FR" sz="1800" smtClean="0"/>
+              <a:rPr lang="fr-FR" altLang="fr-FR" sz="1800"/>
               <a:t>Améliore la productivité </a:t>
             </a:r>
           </a:p>
           <a:p>
             <a:pPr lvl="1"/>
             <a:r>
-              <a:rPr lang="fr-FR" altLang="fr-FR" sz="1800" smtClean="0"/>
+              <a:rPr lang="fr-FR" altLang="fr-FR" sz="1800"/>
               <a:t>Améliore la maintenabilité du code</a:t>
             </a:r>
           </a:p>
           <a:p>
             <a:pPr lvl="1"/>
             <a:r>
-              <a:rPr lang="fr-FR" altLang="fr-FR" sz="1800" smtClean="0"/>
+              <a:rPr lang="fr-FR" altLang="fr-FR" sz="1800"/>
               <a:t>Permet une optimisation des performances de manière flexible</a:t>
             </a:r>
           </a:p>
@@ -10199,13 +10142,364 @@
   <p:clrMapOvr>
     <a:masterClrMapping/>
   </p:clrMapOvr>
-  <p:timing>
-    <p:tnLst>
-      <p:par>
-        <p:cTn id="1" dur="indefinite" restart="never" nodeType="tmRoot"/>
-      </p:par>
-    </p:tnLst>
-  </p:timing>
+</p:sld>
+</file>
+
+<file path=ppt/slides/slide30.xml><?xml version="1.0" encoding="utf-8"?>
+<p:sld xmlns:a="http://schemas.openxmlformats.org/drawingml/2006/main" xmlns:r="http://schemas.openxmlformats.org/officeDocument/2006/relationships" xmlns:p="http://schemas.openxmlformats.org/presentationml/2006/main">
+  <p:cSld>
+    <p:spTree>
+      <p:nvGrpSpPr>
+        <p:cNvPr id="1" name=""/>
+        <p:cNvGrpSpPr/>
+        <p:nvPr/>
+      </p:nvGrpSpPr>
+      <p:grpSpPr>
+        <a:xfrm>
+          <a:off x="0" y="0"/>
+          <a:ext cx="0" cy="0"/>
+          <a:chOff x="0" y="0"/>
+          <a:chExt cx="0" cy="0"/>
+        </a:xfrm>
+      </p:grpSpPr>
+      <p:sp>
+        <p:nvSpPr>
+          <p:cNvPr id="2" name="Titre 1">
+            <a:extLst>
+              <a:ext uri="{FF2B5EF4-FFF2-40B4-BE49-F238E27FC236}">
+                <a16:creationId xmlns:a16="http://schemas.microsoft.com/office/drawing/2014/main" id="{1CDC64B2-1BB0-49E6-A759-4C8A3B0E5F49}"/>
+              </a:ext>
+            </a:extLst>
+          </p:cNvPr>
+          <p:cNvSpPr>
+            <a:spLocks noGrp="1"/>
+          </p:cNvSpPr>
+          <p:nvPr>
+            <p:ph type="title"/>
+          </p:nvPr>
+        </p:nvSpPr>
+        <p:spPr/>
+        <p:txBody>
+          <a:bodyPr/>
+          <a:lstStyle/>
+          <a:p>
+            <a:r>
+              <a:rPr lang="fr-FR" dirty="0"/>
+              <a:t>Retrouver le </a:t>
+            </a:r>
+            <a:r>
+              <a:rPr lang="fr-FR" dirty="0" err="1"/>
+              <a:t>datasource</a:t>
+            </a:r>
+            <a:r>
+              <a:rPr lang="fr-FR" dirty="0"/>
+              <a:t> Spring</a:t>
+            </a:r>
+          </a:p>
+        </p:txBody>
+      </p:sp>
+      <p:sp>
+        <p:nvSpPr>
+          <p:cNvPr id="3" name="Espace réservé du contenu 2">
+            <a:extLst>
+              <a:ext uri="{FF2B5EF4-FFF2-40B4-BE49-F238E27FC236}">
+                <a16:creationId xmlns:a16="http://schemas.microsoft.com/office/drawing/2014/main" id="{E4BD0B91-401D-4629-94A6-E808E368D8BB}"/>
+              </a:ext>
+            </a:extLst>
+          </p:cNvPr>
+          <p:cNvSpPr>
+            <a:spLocks noGrp="1"/>
+          </p:cNvSpPr>
+          <p:nvPr>
+            <p:ph idx="1"/>
+          </p:nvPr>
+        </p:nvSpPr>
+        <p:spPr/>
+        <p:txBody>
+          <a:bodyPr/>
+          <a:lstStyle/>
+          <a:p>
+            <a:endParaRPr lang="fr-FR"/>
+          </a:p>
+        </p:txBody>
+      </p:sp>
+      <p:pic>
+        <p:nvPicPr>
+          <p:cNvPr id="4" name="Image 3">
+            <a:extLst>
+              <a:ext uri="{FF2B5EF4-FFF2-40B4-BE49-F238E27FC236}">
+                <a16:creationId xmlns:a16="http://schemas.microsoft.com/office/drawing/2014/main" id="{3E50BDAA-08F2-427C-83DA-F9F7E6EA352D}"/>
+              </a:ext>
+            </a:extLst>
+          </p:cNvPr>
+          <p:cNvPicPr>
+            <a:picLocks noChangeAspect="1"/>
+          </p:cNvPicPr>
+          <p:nvPr/>
+        </p:nvPicPr>
+        <p:blipFill>
+          <a:blip r:embed="rId2"/>
+          <a:stretch>
+            <a:fillRect/>
+          </a:stretch>
+        </p:blipFill>
+        <p:spPr>
+          <a:xfrm>
+            <a:off x="1979712" y="2100976"/>
+            <a:ext cx="5828881" cy="2656047"/>
+          </a:xfrm>
+          <a:prstGeom prst="rect">
+            <a:avLst/>
+          </a:prstGeom>
+        </p:spPr>
+      </p:pic>
+    </p:spTree>
+    <p:extLst>
+      <p:ext uri="{BB962C8B-B14F-4D97-AF65-F5344CB8AC3E}">
+        <p14:creationId xmlns:p14="http://schemas.microsoft.com/office/powerpoint/2010/main" val="2843885034"/>
+      </p:ext>
+    </p:extLst>
+  </p:cSld>
+  <p:clrMapOvr>
+    <a:masterClrMapping/>
+  </p:clrMapOvr>
+</p:sld>
+</file>
+
+<file path=ppt/slides/slide31.xml><?xml version="1.0" encoding="utf-8"?>
+<p:sld xmlns:a="http://schemas.openxmlformats.org/drawingml/2006/main" xmlns:r="http://schemas.openxmlformats.org/officeDocument/2006/relationships" xmlns:p="http://schemas.openxmlformats.org/presentationml/2006/main">
+  <p:cSld>
+    <p:spTree>
+      <p:nvGrpSpPr>
+        <p:cNvPr id="1" name=""/>
+        <p:cNvGrpSpPr/>
+        <p:nvPr/>
+      </p:nvGrpSpPr>
+      <p:grpSpPr>
+        <a:xfrm>
+          <a:off x="0" y="0"/>
+          <a:ext cx="0" cy="0"/>
+          <a:chOff x="0" y="0"/>
+          <a:chExt cx="0" cy="0"/>
+        </a:xfrm>
+      </p:grpSpPr>
+      <p:sp>
+        <p:nvSpPr>
+          <p:cNvPr id="2" name="Titre 1">
+            <a:extLst>
+              <a:ext uri="{FF2B5EF4-FFF2-40B4-BE49-F238E27FC236}">
+                <a16:creationId xmlns:a16="http://schemas.microsoft.com/office/drawing/2014/main" id="{2CE25086-34CE-4B62-8F14-D36A6A5D7454}"/>
+              </a:ext>
+            </a:extLst>
+          </p:cNvPr>
+          <p:cNvSpPr>
+            <a:spLocks noGrp="1"/>
+          </p:cNvSpPr>
+          <p:nvPr>
+            <p:ph type="title"/>
+          </p:nvPr>
+        </p:nvSpPr>
+        <p:spPr/>
+        <p:txBody>
+          <a:bodyPr/>
+          <a:lstStyle/>
+          <a:p>
+            <a:r>
+              <a:rPr lang="fr-FR" dirty="0"/>
+              <a:t>Création d'une </a:t>
+            </a:r>
+            <a:r>
+              <a:rPr lang="fr-FR" dirty="0" err="1"/>
+              <a:t>datasource</a:t>
+            </a:r>
+            <a:r>
+              <a:rPr lang="fr-FR" dirty="0"/>
+              <a:t> par programmation</a:t>
+            </a:r>
+          </a:p>
+        </p:txBody>
+      </p:sp>
+      <p:sp>
+        <p:nvSpPr>
+          <p:cNvPr id="3" name="Espace réservé du contenu 2">
+            <a:extLst>
+              <a:ext uri="{FF2B5EF4-FFF2-40B4-BE49-F238E27FC236}">
+                <a16:creationId xmlns:a16="http://schemas.microsoft.com/office/drawing/2014/main" id="{7B01C497-E57D-40A0-85C0-CD8050148425}"/>
+              </a:ext>
+            </a:extLst>
+          </p:cNvPr>
+          <p:cNvSpPr>
+            <a:spLocks noGrp="1"/>
+          </p:cNvSpPr>
+          <p:nvPr>
+            <p:ph idx="1"/>
+          </p:nvPr>
+        </p:nvSpPr>
+        <p:spPr/>
+        <p:txBody>
+          <a:bodyPr/>
+          <a:lstStyle/>
+          <a:p>
+            <a:endParaRPr lang="fr-FR"/>
+          </a:p>
+        </p:txBody>
+      </p:sp>
+      <p:pic>
+        <p:nvPicPr>
+          <p:cNvPr id="4" name="Image 3">
+            <a:extLst>
+              <a:ext uri="{FF2B5EF4-FFF2-40B4-BE49-F238E27FC236}">
+                <a16:creationId xmlns:a16="http://schemas.microsoft.com/office/drawing/2014/main" id="{92C199EB-F237-46D3-AABF-5DD1661438AD}"/>
+              </a:ext>
+            </a:extLst>
+          </p:cNvPr>
+          <p:cNvPicPr>
+            <a:picLocks noChangeAspect="1"/>
+          </p:cNvPicPr>
+          <p:nvPr/>
+        </p:nvPicPr>
+        <p:blipFill>
+          <a:blip r:embed="rId2"/>
+          <a:stretch>
+            <a:fillRect/>
+          </a:stretch>
+        </p:blipFill>
+        <p:spPr>
+          <a:xfrm>
+            <a:off x="971600" y="2014421"/>
+            <a:ext cx="7534275" cy="3171825"/>
+          </a:xfrm>
+          <a:prstGeom prst="rect">
+            <a:avLst/>
+          </a:prstGeom>
+        </p:spPr>
+      </p:pic>
+    </p:spTree>
+    <p:extLst>
+      <p:ext uri="{BB962C8B-B14F-4D97-AF65-F5344CB8AC3E}">
+        <p14:creationId xmlns:p14="http://schemas.microsoft.com/office/powerpoint/2010/main" val="1998469025"/>
+      </p:ext>
+    </p:extLst>
+  </p:cSld>
+  <p:clrMapOvr>
+    <a:masterClrMapping/>
+  </p:clrMapOvr>
+</p:sld>
+</file>
+
+<file path=ppt/slides/slide32.xml><?xml version="1.0" encoding="utf-8"?>
+<p:sld xmlns:a="http://schemas.openxmlformats.org/drawingml/2006/main" xmlns:r="http://schemas.openxmlformats.org/officeDocument/2006/relationships" xmlns:p="http://schemas.openxmlformats.org/presentationml/2006/main">
+  <p:cSld>
+    <p:spTree>
+      <p:nvGrpSpPr>
+        <p:cNvPr id="1" name=""/>
+        <p:cNvGrpSpPr/>
+        <p:nvPr/>
+      </p:nvGrpSpPr>
+      <p:grpSpPr>
+        <a:xfrm>
+          <a:off x="0" y="0"/>
+          <a:ext cx="0" cy="0"/>
+          <a:chOff x="0" y="0"/>
+          <a:chExt cx="0" cy="0"/>
+        </a:xfrm>
+      </p:grpSpPr>
+      <p:sp>
+        <p:nvSpPr>
+          <p:cNvPr id="2" name="Titre 1">
+            <a:extLst>
+              <a:ext uri="{FF2B5EF4-FFF2-40B4-BE49-F238E27FC236}">
+                <a16:creationId xmlns:a16="http://schemas.microsoft.com/office/drawing/2014/main" id="{B68E09ED-2029-491B-BC83-B30B535FDD1C}"/>
+              </a:ext>
+            </a:extLst>
+          </p:cNvPr>
+          <p:cNvSpPr>
+            <a:spLocks noGrp="1"/>
+          </p:cNvSpPr>
+          <p:nvPr>
+            <p:ph type="title"/>
+          </p:nvPr>
+        </p:nvSpPr>
+        <p:spPr/>
+        <p:txBody>
+          <a:bodyPr/>
+          <a:lstStyle/>
+          <a:p>
+            <a:r>
+              <a:rPr lang="fr-FR" dirty="0"/>
+              <a:t>Spring JDBC</a:t>
+            </a:r>
+          </a:p>
+        </p:txBody>
+      </p:sp>
+      <p:sp>
+        <p:nvSpPr>
+          <p:cNvPr id="3" name="Espace réservé du contenu 2">
+            <a:extLst>
+              <a:ext uri="{FF2B5EF4-FFF2-40B4-BE49-F238E27FC236}">
+                <a16:creationId xmlns:a16="http://schemas.microsoft.com/office/drawing/2014/main" id="{33CB5693-37BD-4E2F-AE6B-4B3B2C4736BA}"/>
+              </a:ext>
+            </a:extLst>
+          </p:cNvPr>
+          <p:cNvSpPr>
+            <a:spLocks noGrp="1"/>
+          </p:cNvSpPr>
+          <p:nvPr>
+            <p:ph idx="1"/>
+          </p:nvPr>
+        </p:nvSpPr>
+        <p:spPr/>
+        <p:txBody>
+          <a:bodyPr/>
+          <a:lstStyle/>
+          <a:p>
+            <a:r>
+              <a:rPr lang="fr-FR" dirty="0"/>
+              <a:t>JDBC bas niveau</a:t>
+            </a:r>
+          </a:p>
+        </p:txBody>
+      </p:sp>
+      <p:pic>
+        <p:nvPicPr>
+          <p:cNvPr id="4" name="Image 3">
+            <a:extLst>
+              <a:ext uri="{FF2B5EF4-FFF2-40B4-BE49-F238E27FC236}">
+                <a16:creationId xmlns:a16="http://schemas.microsoft.com/office/drawing/2014/main" id="{B081BAEF-C65C-4990-8F06-175B0A73F5AF}"/>
+              </a:ext>
+            </a:extLst>
+          </p:cNvPr>
+          <p:cNvPicPr>
+            <a:picLocks noChangeAspect="1"/>
+          </p:cNvPicPr>
+          <p:nvPr/>
+        </p:nvPicPr>
+        <p:blipFill>
+          <a:blip r:embed="rId2"/>
+          <a:stretch>
+            <a:fillRect/>
+          </a:stretch>
+        </p:blipFill>
+        <p:spPr>
+          <a:xfrm>
+            <a:off x="1673225" y="2636912"/>
+            <a:ext cx="6772275" cy="3629025"/>
+          </a:xfrm>
+          <a:prstGeom prst="rect">
+            <a:avLst/>
+          </a:prstGeom>
+        </p:spPr>
+      </p:pic>
+    </p:spTree>
+    <p:extLst>
+      <p:ext uri="{BB962C8B-B14F-4D97-AF65-F5344CB8AC3E}">
+        <p14:creationId xmlns:p14="http://schemas.microsoft.com/office/powerpoint/2010/main" val="3484315666"/>
+      </p:ext>
+    </p:extLst>
+  </p:cSld>
+  <p:clrMapOvr>
+    <a:masterClrMapping/>
+  </p:clrMapOvr>
 </p:sld>
 </file>
 
@@ -10247,7 +10541,7 @@
           <a:lstStyle/>
           <a:p>
             <a:r>
-              <a:rPr lang="fr-FR" altLang="fr-FR" smtClean="0"/>
+              <a:rPr lang="fr-FR" altLang="fr-FR"/>
               <a:t>Solutions possibles pour le Mapping Objet Relationnel</a:t>
             </a:r>
           </a:p>
@@ -10274,120 +10568,120 @@
           <a:lstStyle/>
           <a:p>
             <a:r>
-              <a:rPr lang="fr-FR" altLang="fr-FR" smtClean="0"/>
+              <a:rPr lang="fr-FR" altLang="fr-FR"/>
               <a:t>Les développeurs Java ont de nombreux choix :</a:t>
             </a:r>
           </a:p>
           <a:p>
             <a:pPr lvl="1"/>
             <a:r>
-              <a:rPr lang="fr-FR" altLang="fr-FR" smtClean="0"/>
+              <a:rPr lang="fr-FR" altLang="fr-FR"/>
               <a:t>Standards Java</a:t>
             </a:r>
           </a:p>
           <a:p>
             <a:pPr lvl="2"/>
             <a:r>
-              <a:rPr lang="fr-FR" altLang="fr-FR" smtClean="0"/>
+              <a:rPr lang="fr-FR" altLang="fr-FR"/>
               <a:t>Java Data Objects (JDO, JSR 12)</a:t>
             </a:r>
           </a:p>
           <a:p>
             <a:pPr lvl="2"/>
             <a:r>
-              <a:rPr lang="fr-FR" altLang="fr-FR" smtClean="0"/>
+              <a:rPr lang="fr-FR" altLang="fr-FR"/>
               <a:t>JPA</a:t>
             </a:r>
           </a:p>
           <a:p>
             <a:pPr lvl="2"/>
             <a:r>
-              <a:rPr lang="fr-FR" altLang="fr-FR" smtClean="0"/>
+              <a:rPr lang="fr-FR" altLang="fr-FR"/>
               <a:t>EJB 2.1</a:t>
             </a:r>
           </a:p>
           <a:p>
             <a:pPr lvl="2"/>
             <a:r>
-              <a:rPr lang="fr-FR" altLang="fr-FR" smtClean="0"/>
+              <a:rPr lang="fr-FR" altLang="fr-FR"/>
               <a:t>EJB 3.0 (JSR 220) </a:t>
             </a:r>
           </a:p>
           <a:p>
             <a:pPr lvl="1"/>
             <a:r>
-              <a:rPr lang="fr-FR" altLang="fr-FR" smtClean="0"/>
+              <a:rPr lang="fr-FR" altLang="fr-FR"/>
               <a:t>Solutions commerciales et open-source</a:t>
             </a:r>
           </a:p>
           <a:p>
             <a:pPr lvl="2"/>
             <a:r>
-              <a:rPr lang="fr-FR" altLang="fr-FR" smtClean="0"/>
+              <a:rPr lang="fr-FR" altLang="fr-FR"/>
               <a:t>Oracle Toplink : </a:t>
             </a:r>
             <a:r>
-              <a:rPr lang="fr-FR" altLang="fr-FR" smtClean="0">
+              <a:rPr lang="fr-FR" altLang="fr-FR">
                 <a:latin typeface="Courier New" panose="02070309020205020404" pitchFamily="49" charset="0"/>
                 <a:cs typeface="Courier New" panose="02070309020205020404" pitchFamily="49" charset="0"/>
               </a:rPr>
               <a:t>www.oracle.com</a:t>
             </a:r>
-            <a:endParaRPr lang="fr-FR" altLang="fr-FR" smtClean="0"/>
+            <a:endParaRPr lang="fr-FR" altLang="fr-FR"/>
           </a:p>
           <a:p>
             <a:pPr lvl="2"/>
             <a:r>
-              <a:rPr lang="fr-FR" altLang="fr-FR" smtClean="0"/>
+              <a:rPr lang="fr-FR" altLang="fr-FR"/>
               <a:t>iBatis SQL Maps : </a:t>
             </a:r>
             <a:r>
-              <a:rPr lang="fr-FR" altLang="fr-FR" smtClean="0">
+              <a:rPr lang="fr-FR" altLang="fr-FR">
                 <a:latin typeface="Courier New" panose="02070309020205020404" pitchFamily="49" charset="0"/>
                 <a:cs typeface="Courier New" panose="02070309020205020404" pitchFamily="49" charset="0"/>
               </a:rPr>
               <a:t>http://ibatis.apache.org</a:t>
             </a:r>
-            <a:endParaRPr lang="fr-FR" altLang="fr-FR" smtClean="0"/>
+            <a:endParaRPr lang="fr-FR" altLang="fr-FR"/>
           </a:p>
           <a:p>
             <a:pPr lvl="2"/>
             <a:r>
-              <a:rPr lang="fr-FR" altLang="fr-FR" smtClean="0"/>
+              <a:rPr lang="fr-FR" altLang="fr-FR"/>
               <a:t>Apache OJB : </a:t>
             </a:r>
             <a:r>
-              <a:rPr lang="fr-FR" altLang="fr-FR" smtClean="0">
+              <a:rPr lang="fr-FR" altLang="fr-FR">
                 <a:latin typeface="Courier New" panose="02070309020205020404" pitchFamily="49" charset="0"/>
                 <a:cs typeface="Courier New" panose="02070309020205020404" pitchFamily="49" charset="0"/>
               </a:rPr>
               <a:t>http://db.apache.org/ojb</a:t>
             </a:r>
-            <a:endParaRPr lang="fr-FR" altLang="fr-FR" smtClean="0"/>
+            <a:endParaRPr lang="fr-FR" altLang="fr-FR"/>
           </a:p>
           <a:p>
             <a:pPr lvl="2"/>
             <a:r>
-              <a:rPr lang="fr-FR" altLang="fr-FR" smtClean="0"/>
+              <a:rPr lang="fr-FR" altLang="fr-FR"/>
               <a:t>Cayenne : </a:t>
             </a:r>
             <a:r>
-              <a:rPr lang="fr-FR" altLang="fr-FR" smtClean="0">
+              <a:rPr lang="fr-FR" altLang="fr-FR">
                 <a:latin typeface="Courier New" panose="02070309020205020404" pitchFamily="49" charset="0"/>
                 <a:cs typeface="Courier New" panose="02070309020205020404" pitchFamily="49" charset="0"/>
               </a:rPr>
               <a:t>www.objectstyle.org/cayenne</a:t>
             </a:r>
-            <a:endParaRPr lang="fr-FR" altLang="fr-FR" smtClean="0"/>
+            <a:endParaRPr lang="fr-FR" altLang="fr-FR"/>
           </a:p>
           <a:p>
             <a:pPr lvl="2"/>
             <a:r>
-              <a:rPr lang="fr-FR" altLang="fr-FR" smtClean="0"/>
+              <a:rPr lang="fr-FR" altLang="fr-FR"/>
               <a:t>Hibernate : </a:t>
             </a:r>
             <a:r>
-              <a:rPr lang="fr-FR" altLang="fr-FR" smtClean="0">
+              <a:rPr lang="fr-FR" altLang="fr-FR">
                 <a:latin typeface="Courier New" panose="02070309020205020404" pitchFamily="49" charset="0"/>
                 <a:cs typeface="Courier New" panose="02070309020205020404" pitchFamily="49" charset="0"/>
               </a:rPr>
@@ -10396,7 +10690,7 @@
           </a:p>
           <a:p>
             <a:r>
-              <a:rPr lang="fr-FR" altLang="fr-FR" smtClean="0"/>
+              <a:rPr lang="fr-FR" altLang="fr-FR"/>
               <a:t>Hibernate est l’outil le plus largement employé</a:t>
             </a:r>
           </a:p>
@@ -10407,13 +10701,6 @@
   <p:clrMapOvr>
     <a:masterClrMapping/>
   </p:clrMapOvr>
-  <p:timing>
-    <p:tnLst>
-      <p:par>
-        <p:cTn id="1" dur="indefinite" restart="never" nodeType="tmRoot"/>
-      </p:par>
-    </p:tnLst>
-  </p:timing>
 </p:sld>
 </file>
 
@@ -10450,7 +10737,7 @@
           <a:lstStyle/>
           <a:p>
             <a:r>
-              <a:rPr lang="fr-FR" altLang="fr-FR" smtClean="0"/>
+              <a:rPr lang="fr-FR" altLang="fr-FR"/>
               <a:t>Les buts d’Hibernate</a:t>
             </a:r>
           </a:p>
@@ -10477,76 +10764,76 @@
           <a:lstStyle/>
           <a:p>
             <a:r>
-              <a:rPr lang="fr-FR" altLang="fr-FR" smtClean="0"/>
+              <a:rPr lang="fr-FR" altLang="fr-FR"/>
               <a:t>Fournir une vue centrée Java des informations concernant la persistance</a:t>
             </a:r>
           </a:p>
           <a:p>
             <a:r>
-              <a:rPr lang="fr-FR" altLang="fr-FR" smtClean="0"/>
+              <a:rPr lang="fr-FR" altLang="fr-FR"/>
               <a:t>Travaille avec des POJO</a:t>
             </a:r>
           </a:p>
           <a:p>
             <a:r>
-              <a:rPr lang="fr-FR" altLang="fr-FR" smtClean="0"/>
+              <a:rPr lang="fr-FR" altLang="fr-FR"/>
               <a:t>Supporte les concepts orientés objet </a:t>
             </a:r>
           </a:p>
           <a:p>
             <a:pPr lvl="1"/>
             <a:r>
-              <a:rPr lang="fr-FR" altLang="fr-FR" smtClean="0"/>
+              <a:rPr lang="fr-FR" altLang="fr-FR"/>
               <a:t>Encapsulation, héritage, polymorphisme</a:t>
             </a:r>
           </a:p>
           <a:p>
             <a:r>
-              <a:rPr lang="fr-FR" altLang="fr-FR" smtClean="0"/>
+              <a:rPr lang="fr-FR" altLang="fr-FR"/>
               <a:t>Supprime la nécessité de coder à la main le SQL</a:t>
             </a:r>
           </a:p>
           <a:p>
             <a:pPr lvl="1"/>
             <a:r>
-              <a:rPr lang="fr-FR" altLang="fr-FR" smtClean="0"/>
+              <a:rPr lang="fr-FR" altLang="fr-FR"/>
               <a:t>Les requêtes peuvent être définies dans des fichiers externes</a:t>
             </a:r>
           </a:p>
           <a:p>
             <a:pPr lvl="2"/>
             <a:r>
-              <a:rPr lang="fr-FR" altLang="fr-FR" smtClean="0"/>
+              <a:rPr lang="fr-FR" altLang="fr-FR"/>
               <a:t>Ecrites d’une manière orientée objet</a:t>
             </a:r>
           </a:p>
           <a:p>
             <a:pPr lvl="2"/>
-            <a:endParaRPr lang="fr-FR" altLang="fr-FR" smtClean="0"/>
+            <a:endParaRPr lang="fr-FR" altLang="fr-FR"/>
           </a:p>
           <a:p>
             <a:pPr lvl="2"/>
-            <a:endParaRPr lang="fr-FR" altLang="fr-FR" smtClean="0"/>
+            <a:endParaRPr lang="fr-FR" altLang="fr-FR"/>
           </a:p>
           <a:p>
             <a:pPr lvl="2"/>
-            <a:endParaRPr lang="en-US" altLang="fr-FR" smtClean="0"/>
+            <a:endParaRPr lang="en-US" altLang="fr-FR"/>
           </a:p>
           <a:p>
             <a:pPr lvl="2"/>
-            <a:endParaRPr lang="en-US" altLang="fr-FR" smtClean="0"/>
+            <a:endParaRPr lang="en-US" altLang="fr-FR"/>
           </a:p>
           <a:p>
             <a:pPr lvl="2"/>
-            <a:endParaRPr lang="en-US" altLang="fr-FR" smtClean="0"/>
+            <a:endParaRPr lang="en-US" altLang="fr-FR"/>
           </a:p>
           <a:p>
             <a:pPr lvl="2"/>
-            <a:endParaRPr lang="en-US" altLang="fr-FR" smtClean="0"/>
+            <a:endParaRPr lang="en-US" altLang="fr-FR"/>
           </a:p>
           <a:p>
             <a:pPr lvl="2"/>
-            <a:endParaRPr lang="en-US" altLang="fr-FR" smtClean="0"/>
+            <a:endParaRPr lang="en-US" altLang="fr-FR"/>
           </a:p>
           <a:p>
             <a:pPr>
@@ -10554,7 +10841,7 @@
               <a:buNone/>
             </a:pPr>
             <a:r>
-              <a:rPr lang="en-US" altLang="fr-FR" sz="1400" smtClean="0"/>
+              <a:rPr lang="en-US" altLang="fr-FR" sz="1400"/>
               <a:t>POJO = Plain Old Java Object</a:t>
             </a:r>
           </a:p>
@@ -10565,13 +10852,6 @@
   <p:clrMapOvr>
     <a:masterClrMapping/>
   </p:clrMapOvr>
-  <p:timing>
-    <p:tnLst>
-      <p:par>
-        <p:cTn id="1" dur="indefinite" restart="never" nodeType="tmRoot"/>
-      </p:par>
-    </p:tnLst>
-  </p:timing>
 </p:sld>
 </file>
 
@@ -10608,7 +10888,7 @@
           <a:lstStyle/>
           <a:p>
             <a:r>
-              <a:rPr lang="fr-FR" altLang="fr-FR" smtClean="0"/>
+              <a:rPr lang="fr-FR" altLang="fr-FR"/>
               <a:t>Architecture d’Hibernate</a:t>
             </a:r>
           </a:p>
@@ -10635,21 +10915,21 @@
           <a:lstStyle/>
           <a:p>
             <a:r>
-              <a:rPr lang="fr-FR" altLang="fr-FR" sz="2000" smtClean="0"/>
+              <a:rPr lang="fr-FR" altLang="fr-FR" sz="2000"/>
               <a:t>Hibernate implémente la couche d’accès aux données</a:t>
             </a:r>
           </a:p>
           <a:p>
             <a:pPr lvl="1"/>
             <a:r>
-              <a:rPr lang="fr-FR" altLang="fr-FR" sz="1800" smtClean="0"/>
+              <a:rPr lang="fr-FR" altLang="fr-FR" sz="1800"/>
               <a:t>Fournit des objets du domaine comme POJO en réponse aux requêtes</a:t>
             </a:r>
           </a:p>
           <a:p>
             <a:pPr lvl="1"/>
             <a:r>
-              <a:rPr lang="fr-FR" altLang="fr-FR" sz="1800" smtClean="0"/>
+              <a:rPr lang="fr-FR" altLang="fr-FR" sz="1800"/>
               <a:t>Gère la persistance des objets du domaine</a:t>
             </a:r>
           </a:p>
@@ -12609,13 +12889,6 @@
   <p:clrMapOvr>
     <a:masterClrMapping/>
   </p:clrMapOvr>
-  <p:timing>
-    <p:tnLst>
-      <p:par>
-        <p:cTn id="1" dur="indefinite" restart="never" nodeType="tmRoot"/>
-      </p:par>
-    </p:tnLst>
-  </p:timing>
 </p:sld>
 </file>
 
@@ -12652,7 +12925,7 @@
           <a:lstStyle/>
           <a:p>
             <a:r>
-              <a:rPr lang="fr-FR" altLang="fr-FR" smtClean="0"/>
+              <a:rPr lang="fr-FR" altLang="fr-FR"/>
               <a:t>JPA</a:t>
             </a:r>
           </a:p>
@@ -12674,48 +12947,48 @@
           <a:lstStyle/>
           <a:p>
             <a:r>
-              <a:rPr lang="fr-FR" altLang="fr-FR" smtClean="0"/>
+              <a:rPr lang="fr-FR" altLang="fr-FR"/>
               <a:t>Java Persistence API</a:t>
             </a:r>
           </a:p>
           <a:p>
             <a:r>
-              <a:rPr lang="fr-FR" altLang="fr-FR" smtClean="0"/>
+              <a:rPr lang="fr-FR" altLang="fr-FR"/>
               <a:t>Basé sur les annotations</a:t>
             </a:r>
           </a:p>
           <a:p>
             <a:r>
-              <a:rPr lang="fr-FR" altLang="fr-FR" smtClean="0"/>
+              <a:rPr lang="fr-FR" altLang="fr-FR"/>
               <a:t>Inspiré de Hibernate</a:t>
             </a:r>
           </a:p>
           <a:p>
             <a:r>
-              <a:rPr lang="fr-FR" altLang="fr-FR" smtClean="0"/>
+              <a:rPr lang="fr-FR" altLang="fr-FR"/>
               <a:t>C'est l'interface par-dessus Hibernate</a:t>
             </a:r>
           </a:p>
           <a:p>
             <a:r>
-              <a:rPr lang="fr-FR" altLang="fr-FR" smtClean="0"/>
+              <a:rPr lang="fr-FR" altLang="fr-FR"/>
               <a:t>Supporte tous les autres ORM (Toplink)</a:t>
             </a:r>
           </a:p>
           <a:p>
             <a:r>
-              <a:rPr lang="fr-FR" altLang="fr-FR" smtClean="0"/>
+              <a:rPr lang="fr-FR" altLang="fr-FR"/>
               <a:t>N'utilise plus les HBM</a:t>
             </a:r>
           </a:p>
           <a:p>
             <a:r>
-              <a:rPr lang="fr-FR" altLang="fr-FR" smtClean="0"/>
+              <a:rPr lang="fr-FR" altLang="fr-FR"/>
               <a:t>JPA 2</a:t>
             </a:r>
           </a:p>
           <a:p>
-            <a:endParaRPr lang="fr-FR" altLang="fr-FR" smtClean="0"/>
+            <a:endParaRPr lang="fr-FR" altLang="fr-FR"/>
           </a:p>
         </p:txBody>
       </p:sp>
@@ -12724,13 +12997,6 @@
   <p:clrMapOvr>
     <a:masterClrMapping/>
   </p:clrMapOvr>
-  <p:timing>
-    <p:tnLst>
-      <p:par>
-        <p:cTn id="1" dur="indefinite" restart="never" nodeType="tmRoot"/>
-      </p:par>
-    </p:tnLst>
-  </p:timing>
 </p:sld>
 </file>
 
@@ -12767,7 +13033,7 @@
           <a:lstStyle/>
           <a:p>
             <a:r>
-              <a:rPr lang="fr-FR" altLang="fr-FR" smtClean="0"/>
+              <a:rPr lang="fr-FR" altLang="fr-FR"/>
               <a:t>Drivers JDBC</a:t>
             </a:r>
           </a:p>
@@ -12794,21 +13060,21 @@
           <a:lstStyle/>
           <a:p>
             <a:r>
-              <a:rPr lang="fr-FR" altLang="fr-FR" smtClean="0"/>
+              <a:rPr lang="fr-FR" altLang="fr-FR"/>
               <a:t>Hibernate et JPA sont basés sur JDBC</a:t>
             </a:r>
           </a:p>
           <a:p>
             <a:pPr lvl="1"/>
             <a:r>
-              <a:rPr lang="fr-FR" altLang="fr-FR" smtClean="0"/>
+              <a:rPr lang="fr-FR" altLang="fr-FR"/>
               <a:t>Nécessite un driver JDBC</a:t>
             </a:r>
           </a:p>
           <a:p>
             <a:pPr lvl="1"/>
             <a:r>
-              <a:rPr lang="fr-FR" altLang="fr-FR" smtClean="0"/>
+              <a:rPr lang="fr-FR" altLang="fr-FR"/>
               <a:t>Spécifique à chaque base</a:t>
             </a:r>
           </a:p>
@@ -12855,7 +13121,7 @@
           <a:lstStyle/>
           <a:p>
             <a:r>
-              <a:rPr lang="fr-FR" altLang="fr-FR" smtClean="0"/>
+              <a:rPr lang="fr-FR" altLang="fr-FR"/>
               <a:t>Gestion des dialectes</a:t>
             </a:r>
           </a:p>
@@ -12877,55 +13143,55 @@
           <a:lstStyle/>
           <a:p>
             <a:r>
-              <a:rPr lang="fr-FR" altLang="fr-FR" smtClean="0"/>
+              <a:rPr lang="fr-FR" altLang="fr-FR"/>
               <a:t>La plupart des dialectes SQL sont pris en charge</a:t>
             </a:r>
           </a:p>
           <a:p>
             <a:pPr lvl="1"/>
             <a:r>
-              <a:rPr lang="fr-FR" altLang="fr-FR" smtClean="0"/>
+              <a:rPr lang="fr-FR" altLang="fr-FR"/>
               <a:t>Sql Server</a:t>
             </a:r>
           </a:p>
           <a:p>
             <a:pPr lvl="1"/>
             <a:r>
-              <a:rPr lang="fr-FR" altLang="fr-FR" smtClean="0"/>
+              <a:rPr lang="fr-FR" altLang="fr-FR"/>
               <a:t>Oracle</a:t>
             </a:r>
           </a:p>
           <a:p>
             <a:pPr lvl="1"/>
             <a:r>
-              <a:rPr lang="fr-FR" altLang="fr-FR" smtClean="0"/>
+              <a:rPr lang="fr-FR" altLang="fr-FR"/>
               <a:t>MySql</a:t>
             </a:r>
           </a:p>
           <a:p>
             <a:pPr lvl="1"/>
             <a:r>
-              <a:rPr lang="fr-FR" altLang="fr-FR" smtClean="0"/>
+              <a:rPr lang="fr-FR" altLang="fr-FR"/>
               <a:t>PostgreSql</a:t>
             </a:r>
           </a:p>
           <a:p>
             <a:r>
-              <a:rPr lang="fr-FR" altLang="fr-FR" smtClean="0"/>
+              <a:rPr lang="fr-FR" altLang="fr-FR"/>
               <a:t>Sauf SQLite</a:t>
             </a:r>
           </a:p>
           <a:p>
             <a:pPr lvl="1"/>
             <a:r>
-              <a:rPr lang="fr-FR" altLang="fr-FR" smtClean="0"/>
+              <a:rPr lang="fr-FR" altLang="fr-FR"/>
               <a:t>Il suffit d'étendre la classe Dialect</a:t>
             </a:r>
           </a:p>
           <a:p>
             <a:pPr lvl="1"/>
             <a:r>
-              <a:rPr lang="fr-FR" altLang="fr-FR" smtClean="0"/>
+              <a:rPr lang="fr-FR" altLang="fr-FR"/>
               <a:t>Cf SQLiteDialect.java</a:t>
             </a:r>
           </a:p>
@@ -12936,13 +13202,6 @@
   <p:clrMapOvr>
     <a:masterClrMapping/>
   </p:clrMapOvr>
-  <p:timing>
-    <p:tnLst>
-      <p:par>
-        <p:cTn id="1" dur="indefinite" restart="never" nodeType="tmRoot"/>
-      </p:par>
-    </p:tnLst>
-  </p:timing>
 </p:sld>
 </file>
 
